--- a/Custom Project/Isaac Vidrine/egtStoryboard.pptx
+++ b/Custom Project/Isaac Vidrine/egtStoryboard.pptx
@@ -2,19 +2,19 @@
 <file path=ppt/presentation.xml><?xml version="1.0" encoding="utf-8"?>
 <p:presentation xmlns:a="http://schemas.openxmlformats.org/drawingml/2006/main" xmlns:r="http://schemas.openxmlformats.org/officeDocument/2006/relationships" xmlns:p="http://schemas.openxmlformats.org/presentationml/2006/main" saveSubsetFonts="1">
   <p:sldMasterIdLst>
-    <p:sldMasterId id="2147483672" r:id="rId79"/>
+    <p:sldMasterId id="2147483672" r:id="rId80"/>
   </p:sldMasterIdLst>
   <p:notesMasterIdLst>
-    <p:notesMasterId r:id="rId87"/>
+    <p:notesMasterId r:id="rId88"/>
   </p:notesMasterIdLst>
   <p:sldIdLst>
-    <p:sldId id="259" r:id="rId80"/>
-    <p:sldId id="262" r:id="rId81"/>
-    <p:sldId id="261" r:id="rId82"/>
-    <p:sldId id="257" r:id="rId83"/>
-    <p:sldId id="263" r:id="rId84"/>
-    <p:sldId id="258" r:id="rId85"/>
-    <p:sldId id="264" r:id="rId86"/>
+    <p:sldId id="259" r:id="rId81"/>
+    <p:sldId id="262" r:id="rId82"/>
+    <p:sldId id="261" r:id="rId83"/>
+    <p:sldId id="257" r:id="rId84"/>
+    <p:sldId id="263" r:id="rId85"/>
+    <p:sldId id="258" r:id="rId86"/>
+    <p:sldId id="264" r:id="rId87"/>
   </p:sldIdLst>
   <p:sldSz cx="12192000" cy="6858000"/>
   <p:notesSz cx="6858000" cy="9144000"/>
@@ -8802,17 +8802,6 @@
               </a:rPr>
               <a:t>Playstation</a:t>
             </a:r>
-            <a:endParaRPr lang="en-US" sz="1200" dirty="0" smtClean="0">
-              <a:solidFill>
-                <a:schemeClr val="accent4">
-                  <a:lumMod val="60000"/>
-                  <a:lumOff val="40000"/>
-                </a:schemeClr>
-              </a:solidFill>
-              <a:latin typeface="Segoe UI" pitchFamily="34" charset="0"/>
-              <a:ea typeface="Segoe UI" pitchFamily="34" charset="0"/>
-              <a:cs typeface="Segoe UI" pitchFamily="34" charset="0"/>
-            </a:endParaRPr>
           </a:p>
         </p:txBody>
       </p:sp>
@@ -8853,14 +8842,6 @@
               </a:rPr>
               <a:t>| PC</a:t>
             </a:r>
-            <a:endParaRPr lang="en-US" sz="1200" dirty="0" smtClean="0">
-              <a:solidFill>
-                <a:schemeClr val="bg1"/>
-              </a:solidFill>
-              <a:latin typeface="Segoe UI" pitchFamily="34" charset="0"/>
-              <a:ea typeface="Segoe UI" pitchFamily="34" charset="0"/>
-              <a:cs typeface="Segoe UI" pitchFamily="34" charset="0"/>
-            </a:endParaRPr>
           </a:p>
         </p:txBody>
       </p:sp>
@@ -8901,14 +8882,6 @@
               </a:rPr>
               <a:t>| Xbox</a:t>
             </a:r>
-            <a:endParaRPr lang="en-US" sz="1200" dirty="0" smtClean="0">
-              <a:solidFill>
-                <a:schemeClr val="bg1"/>
-              </a:solidFill>
-              <a:latin typeface="Segoe UI" pitchFamily="34" charset="0"/>
-              <a:ea typeface="Segoe UI" pitchFamily="34" charset="0"/>
-              <a:cs typeface="Segoe UI" pitchFamily="34" charset="0"/>
-            </a:endParaRPr>
           </a:p>
         </p:txBody>
       </p:sp>
@@ -11850,14 +11823,6 @@
               </a:rPr>
               <a:t>Username/Email</a:t>
             </a:r>
-            <a:endParaRPr lang="en-US" sz="1400" dirty="0" smtClean="0">
-              <a:solidFill>
-                <a:schemeClr val="bg1"/>
-              </a:solidFill>
-              <a:latin typeface="Segoe UI" pitchFamily="34" charset="0"/>
-              <a:ea typeface="Segoe UI" pitchFamily="34" charset="0"/>
-              <a:cs typeface="Segoe UI" pitchFamily="34" charset="0"/>
-            </a:endParaRPr>
           </a:p>
         </p:txBody>
       </p:sp>
@@ -11898,14 +11863,6 @@
               </a:rPr>
               <a:t>Password</a:t>
             </a:r>
-            <a:endParaRPr lang="en-US" sz="1400" dirty="0" smtClean="0">
-              <a:solidFill>
-                <a:schemeClr val="bg1"/>
-              </a:solidFill>
-              <a:latin typeface="Microsoft JhengHei Light" panose="020B0304030504040204" pitchFamily="34" charset="-120"/>
-              <a:ea typeface="Microsoft JhengHei Light" panose="020B0304030504040204" pitchFamily="34" charset="-120"/>
-              <a:cs typeface="Segoe UI" pitchFamily="34" charset="0"/>
-            </a:endParaRPr>
           </a:p>
         </p:txBody>
       </p:sp>
@@ -12074,7 +12031,7 @@
             <a:avLst/>
           </a:prstGeom>
           <a:solidFill>
-            <a:schemeClr val="bg1"/>
+            <a:schemeClr val="tx1"/>
           </a:solidFill>
           <a:ln w="3175">
             <a:solidFill>
@@ -12112,7 +12069,7 @@
             <a:r>
               <a:rPr lang="en-US" sz="1200" dirty="0" smtClean="0">
                 <a:solidFill>
-                  <a:schemeClr val="tx1"/>
+                  <a:schemeClr val="bg1"/>
                 </a:solidFill>
                 <a:latin typeface="Segoe UI" pitchFamily="34" charset="0"/>
                 <a:cs typeface="Segoe UI" pitchFamily="34" charset="0"/>
@@ -12121,7 +12078,7 @@
             </a:r>
             <a:endParaRPr lang="en-US" sz="1200" dirty="0">
               <a:solidFill>
-                <a:schemeClr val="tx1"/>
+                <a:schemeClr val="bg1"/>
               </a:solidFill>
               <a:latin typeface="Segoe UI" pitchFamily="34" charset="0"/>
               <a:cs typeface="Segoe UI" pitchFamily="34" charset="0"/>
@@ -12200,6 +12157,213 @@
               <a:latin typeface="Segoe UI" pitchFamily="34" charset="0"/>
               <a:cs typeface="Segoe UI" pitchFamily="34" charset="0"/>
             </a:endParaRPr>
+          </a:p>
+        </p:txBody>
+      </p:sp>
+      <p:sp>
+        <p:nvSpPr>
+          <p:cNvPr id="11" name="MousePointer"/>
+          <p:cNvSpPr/>
+          <p:nvPr>
+            <p:custDataLst>
+              <p:custData r:id="rId8"/>
+            </p:custDataLst>
+          </p:nvPr>
+        </p:nvSpPr>
+        <p:spPr>
+          <a:xfrm rot="20359169">
+            <a:off x="5304511" y="4402115"/>
+            <a:ext cx="151053" cy="247694"/>
+          </a:xfrm>
+          <a:custGeom>
+            <a:avLst/>
+            <a:gdLst>
+              <a:gd name="connsiteX0" fmla="*/ 0 w 592890"/>
+              <a:gd name="connsiteY0" fmla="*/ 806746 h 997971"/>
+              <a:gd name="connsiteX1" fmla="*/ 296445 w 592890"/>
+              <a:gd name="connsiteY1" fmla="*/ 0 h 997971"/>
+              <a:gd name="connsiteX2" fmla="*/ 592890 w 592890"/>
+              <a:gd name="connsiteY2" fmla="*/ 806746 h 997971"/>
+              <a:gd name="connsiteX3" fmla="*/ 386188 w 592890"/>
+              <a:gd name="connsiteY3" fmla="*/ 806746 h 997971"/>
+              <a:gd name="connsiteX4" fmla="*/ 386188 w 592890"/>
+              <a:gd name="connsiteY4" fmla="*/ 997971 h 997971"/>
+              <a:gd name="connsiteX5" fmla="*/ 206702 w 592890"/>
+              <a:gd name="connsiteY5" fmla="*/ 997971 h 997971"/>
+              <a:gd name="connsiteX6" fmla="*/ 206702 w 592890"/>
+              <a:gd name="connsiteY6" fmla="*/ 806746 h 997971"/>
+              <a:gd name="connsiteX7" fmla="*/ 0 w 592890"/>
+              <a:gd name="connsiteY7" fmla="*/ 806746 h 997971"/>
+              <a:gd name="connsiteX0" fmla="*/ 0 w 592890"/>
+              <a:gd name="connsiteY0" fmla="*/ 806746 h 997971"/>
+              <a:gd name="connsiteX1" fmla="*/ 296445 w 592890"/>
+              <a:gd name="connsiteY1" fmla="*/ 0 h 997971"/>
+              <a:gd name="connsiteX2" fmla="*/ 592890 w 592890"/>
+              <a:gd name="connsiteY2" fmla="*/ 806746 h 997971"/>
+              <a:gd name="connsiteX3" fmla="*/ 386188 w 592890"/>
+              <a:gd name="connsiteY3" fmla="*/ 766438 h 997971"/>
+              <a:gd name="connsiteX4" fmla="*/ 386188 w 592890"/>
+              <a:gd name="connsiteY4" fmla="*/ 997971 h 997971"/>
+              <a:gd name="connsiteX5" fmla="*/ 206702 w 592890"/>
+              <a:gd name="connsiteY5" fmla="*/ 997971 h 997971"/>
+              <a:gd name="connsiteX6" fmla="*/ 206702 w 592890"/>
+              <a:gd name="connsiteY6" fmla="*/ 806746 h 997971"/>
+              <a:gd name="connsiteX7" fmla="*/ 0 w 592890"/>
+              <a:gd name="connsiteY7" fmla="*/ 806746 h 997971"/>
+              <a:gd name="connsiteX0" fmla="*/ 0 w 592890"/>
+              <a:gd name="connsiteY0" fmla="*/ 806746 h 997971"/>
+              <a:gd name="connsiteX1" fmla="*/ 296445 w 592890"/>
+              <a:gd name="connsiteY1" fmla="*/ 0 h 997971"/>
+              <a:gd name="connsiteX2" fmla="*/ 592890 w 592890"/>
+              <a:gd name="connsiteY2" fmla="*/ 806746 h 997971"/>
+              <a:gd name="connsiteX3" fmla="*/ 386188 w 592890"/>
+              <a:gd name="connsiteY3" fmla="*/ 766438 h 997971"/>
+              <a:gd name="connsiteX4" fmla="*/ 386188 w 592890"/>
+              <a:gd name="connsiteY4" fmla="*/ 997971 h 997971"/>
+              <a:gd name="connsiteX5" fmla="*/ 206702 w 592890"/>
+              <a:gd name="connsiteY5" fmla="*/ 997971 h 997971"/>
+              <a:gd name="connsiteX6" fmla="*/ 206702 w 592890"/>
+              <a:gd name="connsiteY6" fmla="*/ 764057 h 997971"/>
+              <a:gd name="connsiteX7" fmla="*/ 0 w 592890"/>
+              <a:gd name="connsiteY7" fmla="*/ 806746 h 997971"/>
+              <a:gd name="connsiteX0" fmla="*/ 0 w 592890"/>
+              <a:gd name="connsiteY0" fmla="*/ 806746 h 997971"/>
+              <a:gd name="connsiteX1" fmla="*/ 296445 w 592890"/>
+              <a:gd name="connsiteY1" fmla="*/ 0 h 997971"/>
+              <a:gd name="connsiteX2" fmla="*/ 592890 w 592890"/>
+              <a:gd name="connsiteY2" fmla="*/ 806746 h 997971"/>
+              <a:gd name="connsiteX3" fmla="*/ 386188 w 592890"/>
+              <a:gd name="connsiteY3" fmla="*/ 766438 h 997971"/>
+              <a:gd name="connsiteX4" fmla="*/ 386188 w 592890"/>
+              <a:gd name="connsiteY4" fmla="*/ 997971 h 997971"/>
+              <a:gd name="connsiteX5" fmla="*/ 206702 w 592890"/>
+              <a:gd name="connsiteY5" fmla="*/ 997971 h 997971"/>
+              <a:gd name="connsiteX6" fmla="*/ 206702 w 592890"/>
+              <a:gd name="connsiteY6" fmla="*/ 735333 h 997971"/>
+              <a:gd name="connsiteX7" fmla="*/ 0 w 592890"/>
+              <a:gd name="connsiteY7" fmla="*/ 806746 h 997971"/>
+              <a:gd name="connsiteX0" fmla="*/ 0 w 592890"/>
+              <a:gd name="connsiteY0" fmla="*/ 806746 h 997971"/>
+              <a:gd name="connsiteX1" fmla="*/ 296445 w 592890"/>
+              <a:gd name="connsiteY1" fmla="*/ 0 h 997971"/>
+              <a:gd name="connsiteX2" fmla="*/ 592890 w 592890"/>
+              <a:gd name="connsiteY2" fmla="*/ 806746 h 997971"/>
+              <a:gd name="connsiteX3" fmla="*/ 386188 w 592890"/>
+              <a:gd name="connsiteY3" fmla="*/ 730570 h 997971"/>
+              <a:gd name="connsiteX4" fmla="*/ 386188 w 592890"/>
+              <a:gd name="connsiteY4" fmla="*/ 997971 h 997971"/>
+              <a:gd name="connsiteX5" fmla="*/ 206702 w 592890"/>
+              <a:gd name="connsiteY5" fmla="*/ 997971 h 997971"/>
+              <a:gd name="connsiteX6" fmla="*/ 206702 w 592890"/>
+              <a:gd name="connsiteY6" fmla="*/ 735333 h 997971"/>
+              <a:gd name="connsiteX7" fmla="*/ 0 w 592890"/>
+              <a:gd name="connsiteY7" fmla="*/ 806746 h 997971"/>
+            </a:gdLst>
+            <a:ahLst/>
+            <a:cxnLst>
+              <a:cxn ang="0">
+                <a:pos x="connsiteX0" y="connsiteY0"/>
+              </a:cxn>
+              <a:cxn ang="0">
+                <a:pos x="connsiteX1" y="connsiteY1"/>
+              </a:cxn>
+              <a:cxn ang="0">
+                <a:pos x="connsiteX2" y="connsiteY2"/>
+              </a:cxn>
+              <a:cxn ang="0">
+                <a:pos x="connsiteX3" y="connsiteY3"/>
+              </a:cxn>
+              <a:cxn ang="0">
+                <a:pos x="connsiteX4" y="connsiteY4"/>
+              </a:cxn>
+              <a:cxn ang="0">
+                <a:pos x="connsiteX5" y="connsiteY5"/>
+              </a:cxn>
+              <a:cxn ang="0">
+                <a:pos x="connsiteX6" y="connsiteY6"/>
+              </a:cxn>
+              <a:cxn ang="0">
+                <a:pos x="connsiteX7" y="connsiteY7"/>
+              </a:cxn>
+            </a:cxnLst>
+            <a:rect l="l" t="t" r="r" b="b"/>
+            <a:pathLst>
+              <a:path w="592890" h="997971">
+                <a:moveTo>
+                  <a:pt x="0" y="806746"/>
+                </a:moveTo>
+                <a:lnTo>
+                  <a:pt x="296445" y="0"/>
+                </a:lnTo>
+                <a:lnTo>
+                  <a:pt x="592890" y="806746"/>
+                </a:lnTo>
+                <a:lnTo>
+                  <a:pt x="386188" y="730570"/>
+                </a:lnTo>
+                <a:lnTo>
+                  <a:pt x="386188" y="997971"/>
+                </a:lnTo>
+                <a:lnTo>
+                  <a:pt x="206702" y="997971"/>
+                </a:lnTo>
+                <a:lnTo>
+                  <a:pt x="206702" y="735333"/>
+                </a:lnTo>
+                <a:lnTo>
+                  <a:pt x="0" y="806746"/>
+                </a:lnTo>
+                <a:close/>
+              </a:path>
+            </a:pathLst>
+          </a:custGeom>
+          <a:solidFill>
+            <a:srgbClr val="FFFFFF"/>
+          </a:solidFill>
+          <a:ln w="3175">
+            <a:solidFill>
+              <a:srgbClr val="000000">
+                <a:lumMod val="85000"/>
+                <a:lumOff val="15000"/>
+              </a:srgbClr>
+            </a:solidFill>
+          </a:ln>
+          <a:effectLst>
+            <a:glow rad="139700">
+              <a:srgbClr val="F79646">
+                <a:satMod val="175000"/>
+                <a:alpha val="40000"/>
+              </a:srgbClr>
+            </a:glow>
+            <a:outerShdw blurRad="25400" dist="25400" dir="2040000" algn="tl" rotWithShape="0">
+              <a:prstClr val="black">
+                <a:alpha val="20000"/>
+              </a:prstClr>
+            </a:outerShdw>
+          </a:effectLst>
+        </p:spPr>
+        <p:style>
+          <a:lnRef idx="2">
+            <a:srgbClr val="4F81BD">
+              <a:shade val="50000"/>
+            </a:srgbClr>
+          </a:lnRef>
+          <a:fillRef idx="1">
+            <a:srgbClr val="4F81BD"/>
+          </a:fillRef>
+          <a:effectRef idx="0">
+            <a:srgbClr val="4F81BD"/>
+          </a:effectRef>
+          <a:fontRef idx="minor">
+            <a:srgbClr val="000000"/>
+          </a:fontRef>
+        </p:style>
+        <p:txBody>
+          <a:bodyPr lIns="97531" tIns="48766" rIns="97531" bIns="48766" rtlCol="0" anchor="ctr"/>
+          <a:lstStyle/>
+          <a:p>
+            <a:pPr algn="ctr"/>
+            <a:endParaRPr lang="en-US" dirty="0"/>
           </a:p>
         </p:txBody>
       </p:sp>
@@ -15067,13 +15231,13 @@
 
 <file path=customXml/item1.xml><?xml version="1.0" encoding="utf-8"?>
 <Control xmlns="http://schemas.microsoft.com/VisualStudio/2011/storyboarding/control">
-  <Id Name="System.Storyboarding.Common.Text" Revision="1" Stencil="System.Storyboarding.Common" StencilVersion="0.1"/>
+  <Id Name="System.Storyboarding.Common.MousePointer" Revision="1" Stencil="System.Storyboarding.Common" StencilVersion="0.1"/>
 </Control>
 </file>
 
 <file path=customXml/item10.xml><?xml version="1.0" encoding="utf-8"?>
 <Control xmlns="http://schemas.microsoft.com/VisualStudio/2011/storyboarding/control">
-  <Id Name="System.Storyboarding.Annotation.AnimatedBanner" Revision="1" Stencil="System.Storyboarding.Annotation" StencilVersion="0.1"/>
+  <Id Name="System.Storyboarding.Common.Button" Revision="1" Stencil="System.Storyboarding.Common" StencilVersion="0.1"/>
 </Control>
 </file>
 
@@ -15085,7 +15249,7 @@
 
 <file path=customXml/item12.xml><?xml version="1.0" encoding="utf-8"?>
 <Control xmlns="http://schemas.microsoft.com/VisualStudio/2011/storyboarding/control">
-  <Id Name="System.Storyboarding.Common.Button" Revision="1" Stencil="System.Storyboarding.Common" StencilVersion="0.1"/>
+  <Id Name="System.Storyboarding.Common.TextInput" Revision="1" Stencil="System.Storyboarding.Common" StencilVersion="0.1"/>
 </Control>
 </file>
 
@@ -15097,37 +15261,37 @@
 
 <file path=customXml/item14.xml><?xml version="1.0" encoding="utf-8"?>
 <Control xmlns="http://schemas.microsoft.com/VisualStudio/2011/storyboarding/control">
-  <Id Name="System.Storyboarding.Common.MousePointer" Revision="1" Stencil="System.Storyboarding.Common" StencilVersion="0.1"/>
+  <Id Name="2d849f50-7222-4980-9591-24453cacae64" Revision="1" Stencil="85a07843-b809-41ee-b566-325b1850150a" StencilVersion="1.0"/>
 </Control>
 </file>
 
 <file path=customXml/item15.xml><?xml version="1.0" encoding="utf-8"?>
 <Control xmlns="http://schemas.microsoft.com/VisualStudio/2011/storyboarding/control">
-  <Id Name="2d849f50-7222-4980-9591-24453cacae64" Revision="1" Stencil="85a07843-b809-41ee-b566-325b1850150a" StencilVersion="1.0"/>
+  <Id Name="System.Storyboarding.Common.Button" Revision="1" Stencil="System.Storyboarding.Common" StencilVersion="0.1"/>
 </Control>
 </file>
 
 <file path=customXml/item16.xml><?xml version="1.0" encoding="utf-8"?>
 <Control xmlns="http://schemas.microsoft.com/VisualStudio/2011/storyboarding/control">
-  <Id Name="2d849f50-7222-4980-9591-24453cacae64" Revision="1" Stencil="85a07843-b809-41ee-b566-325b1850150a" StencilVersion="1.0"/>
+  <Id Name="System.Storyboarding.Common.Button" Revision="1" Stencil="System.Storyboarding.Common" StencilVersion="0.1"/>
 </Control>
 </file>
 
 <file path=customXml/item17.xml><?xml version="1.0" encoding="utf-8"?>
 <Control xmlns="http://schemas.microsoft.com/VisualStudio/2011/storyboarding/control">
-  <Id Name="2d849f50-7222-4980-9591-24453cacae64" Revision="1" Stencil="85a07843-b809-41ee-b566-325b1850150a" StencilVersion="1.0"/>
+  <Id Name="System.Storyboarding.Common.Text" Revision="1" Stencil="System.Storyboarding.Common" StencilVersion="0.1"/>
 </Control>
 </file>
 
 <file path=customXml/item18.xml><?xml version="1.0" encoding="utf-8"?>
 <Control xmlns="http://schemas.microsoft.com/VisualStudio/2011/storyboarding/control">
-  <Id Name="2d849f50-7222-4980-9591-24453cacae64" Revision="1" Stencil="85a07843-b809-41ee-b566-325b1850150a" StencilVersion="1.0"/>
+  <Id Name="System.Storyboarding.Common.Button" Revision="1" Stencil="System.Storyboarding.Common" StencilVersion="0.1"/>
 </Control>
 </file>
 
 <file path=customXml/item19.xml><?xml version="1.0" encoding="utf-8"?>
 <Control xmlns="http://schemas.microsoft.com/VisualStudio/2011/storyboarding/control">
-  <Id Name="2d849f50-7222-4980-9591-24453cacae64" Revision="1" Stencil="85a07843-b809-41ee-b566-325b1850150a" StencilVersion="1.0"/>
+  <Id Name="System.Storyboarding.Common.Button" Revision="1" Stencil="System.Storyboarding.Common" StencilVersion="0.1"/>
 </Control>
 </file>
 
@@ -15139,31 +15303,31 @@
 
 <file path=customXml/item20.xml><?xml version="1.0" encoding="utf-8"?>
 <Control xmlns="http://schemas.microsoft.com/VisualStudio/2011/storyboarding/control">
-  <Id Name="System.Storyboarding.Common.Button" Revision="1" Stencil="System.Storyboarding.Common" StencilVersion="0.1"/>
+  <Id Name="System.Storyboarding.Common.Text" Revision="1" Stencil="System.Storyboarding.Common" StencilVersion="0.1"/>
 </Control>
 </file>
 
 <file path=customXml/item21.xml><?xml version="1.0" encoding="utf-8"?>
 <Control xmlns="http://schemas.microsoft.com/VisualStudio/2011/storyboarding/control">
-  <Id Name="System.Storyboarding.Common.Button" Revision="1" Stencil="System.Storyboarding.Common" StencilVersion="0.1"/>
+  <Id Name="System.Storyboarding.Common.Text" Revision="1" Stencil="System.Storyboarding.Common" StencilVersion="0.1"/>
 </Control>
 </file>
 
 <file path=customXml/item22.xml><?xml version="1.0" encoding="utf-8"?>
 <Control xmlns="http://schemas.microsoft.com/VisualStudio/2011/storyboarding/control">
-  <Id Name="System.Storyboarding.Common.SearchBox" Revision="1" Stencil="System.Storyboarding.Common" StencilVersion="0.1"/>
+  <Id Name="2d849f50-7222-4980-9591-24453cacae64" Revision="1" Stencil="85a07843-b809-41ee-b566-325b1850150a" StencilVersion="1.0"/>
 </Control>
 </file>
 
 <file path=customXml/item23.xml><?xml version="1.0" encoding="utf-8"?>
 <Control xmlns="http://schemas.microsoft.com/VisualStudio/2011/storyboarding/control">
-  <Id Name="System.Storyboarding.Common.Button" Revision="1" Stencil="System.Storyboarding.Common" StencilVersion="0.1"/>
+  <Id Name="System.Storyboarding.Common.MousePointer" Revision="1" Stencil="System.Storyboarding.Common" StencilVersion="0.1"/>
 </Control>
 </file>
 
 <file path=customXml/item24.xml><?xml version="1.0" encoding="utf-8"?>
 <Control xmlns="http://schemas.microsoft.com/VisualStudio/2011/storyboarding/control">
-  <Id Name="System.Storyboarding.Common.Button" Revision="1" Stencil="System.Storyboarding.Common" StencilVersion="0.1"/>
+  <Id Name="System.Storyboarding.Common.SearchBox" Revision="1" Stencil="System.Storyboarding.Common" StencilVersion="0.1"/>
 </Control>
 </file>
 
@@ -15187,7 +15351,7 @@
 
 <file path=customXml/item28.xml><?xml version="1.0" encoding="utf-8"?>
 <Control xmlns="http://schemas.microsoft.com/VisualStudio/2011/storyboarding/control">
-  <Id Name="System.Storyboarding.Common.Button" Revision="1" Stencil="System.Storyboarding.Common" StencilVersion="0.1"/>
+  <Id Name="2d849f50-7222-4980-9591-24453cacae64" Revision="1" Stencil="85a07843-b809-41ee-b566-325b1850150a" StencilVersion="1.0"/>
 </Control>
 </file>
 
@@ -15199,37 +15363,37 @@
 
 <file path=customXml/item3.xml><?xml version="1.0" encoding="utf-8"?>
 <Control xmlns="http://schemas.microsoft.com/VisualStudio/2011/storyboarding/control">
-  <Id Name="System.Storyboarding.Common.Button" Revision="1" Stencil="System.Storyboarding.Common" StencilVersion="0.1"/>
+  <Id Name="System.Storyboarding.Common.Text" Revision="1" Stencil="System.Storyboarding.Common" StencilVersion="0.1"/>
 </Control>
 </file>
 
 <file path=customXml/item30.xml><?xml version="1.0" encoding="utf-8"?>
+<Control xmlns="http://schemas.microsoft.com/VisualStudio/2011/storyboarding/control">
+  <Id Name="d42b760e-5991-4d9c-9e6c-900df013d5d9" Revision="1" Stencil="85a07843-b809-41ee-b566-325b1850150a" StencilVersion="1.0"/>
+</Control>
+</file>
+
+<file path=customXml/item31.xml><?xml version="1.0" encoding="utf-8"?>
+<Control xmlns="http://schemas.microsoft.com/VisualStudio/2011/storyboarding/control">
+  <Id Name="System.Storyboarding.Common.TextInput" Revision="1" Stencil="System.Storyboarding.Common" StencilVersion="0.1"/>
+</Control>
+</file>
+
+<file path=customXml/item32.xml><?xml version="1.0" encoding="utf-8"?>
+<Control xmlns="http://schemas.microsoft.com/VisualStudio/2011/storyboarding/control">
+  <Id Name="System.Storyboarding.Common.Text" Revision="1" Stencil="System.Storyboarding.Common" StencilVersion="0.1"/>
+</Control>
+</file>
+
+<file path=customXml/item33.xml><?xml version="1.0" encoding="utf-8"?>
 <Control xmlns="http://schemas.microsoft.com/VisualStudio/2011/storyboarding/control">
   <Id Name="System.Storyboarding.Common.Button" Revision="1" Stencil="System.Storyboarding.Common" StencilVersion="0.1"/>
 </Control>
 </file>
 
-<file path=customXml/item31.xml><?xml version="1.0" encoding="utf-8"?>
-<Control xmlns="http://schemas.microsoft.com/VisualStudio/2011/storyboarding/control">
-  <Id Name="System.Storyboarding.Common.MousePointer" Revision="1" Stencil="System.Storyboarding.Common" StencilVersion="0.1"/>
-</Control>
-</file>
-
-<file path=customXml/item32.xml><?xml version="1.0" encoding="utf-8"?>
-<Control xmlns="http://schemas.microsoft.com/VisualStudio/2011/storyboarding/control">
-  <Id Name="System.Storyboarding.Common.TextInput" Revision="1" Stencil="System.Storyboarding.Common" StencilVersion="0.1"/>
-</Control>
-</file>
-
-<file path=customXml/item33.xml><?xml version="1.0" encoding="utf-8"?>
-<Control xmlns="http://schemas.microsoft.com/VisualStudio/2011/storyboarding/control">
-  <Id Name="System.Storyboarding.Common.TextInput" Revision="1" Stencil="System.Storyboarding.Common" StencilVersion="0.1"/>
-</Control>
-</file>
-
 <file path=customXml/item34.xml><?xml version="1.0" encoding="utf-8"?>
 <Control xmlns="http://schemas.microsoft.com/VisualStudio/2011/storyboarding/control">
-  <Id Name="System.Storyboarding.Common.TextInput" Revision="1" Stencil="System.Storyboarding.Common" StencilVersion="0.1"/>
+  <Id Name="System.Storyboarding.Common.MouseClick" Revision="1" Stencil="System.Storyboarding.Common" StencilVersion="0.1"/>
 </Control>
 </file>
 
@@ -15247,13 +15411,13 @@
 
 <file path=customXml/item37.xml><?xml version="1.0" encoding="utf-8"?>
 <Control xmlns="http://schemas.microsoft.com/VisualStudio/2011/storyboarding/control">
-  <Id Name="System.Storyboarding.Common.Text" Revision="1" Stencil="System.Storyboarding.Common" StencilVersion="0.1"/>
+  <Id Name="System.Storyboarding.Common.Button" Revision="1" Stencil="System.Storyboarding.Common" StencilVersion="0.1"/>
 </Control>
 </file>
 
 <file path=customXml/item38.xml><?xml version="1.0" encoding="utf-8"?>
 <Control xmlns="http://schemas.microsoft.com/VisualStudio/2011/storyboarding/control">
-  <Id Name="System.Storyboarding.Common.Text" Revision="1" Stencil="System.Storyboarding.Common" StencilVersion="0.1"/>
+  <Id Name="System.Storyboarding.Common.Button" Revision="1" Stencil="System.Storyboarding.Common" StencilVersion="0.1"/>
 </Control>
 </file>
 
@@ -15271,31 +15435,31 @@
 
 <file path=customXml/item40.xml><?xml version="1.0" encoding="utf-8"?>
 <Control xmlns="http://schemas.microsoft.com/VisualStudio/2011/storyboarding/control">
-  <Id Name="2d849f50-7222-4980-9591-24453cacae64" Revision="1" Stencil="85a07843-b809-41ee-b566-325b1850150a" StencilVersion="1.0"/>
+  <Id Name="System.Storyboarding.Common.Button" Revision="1" Stencil="System.Storyboarding.Common" StencilVersion="0.1"/>
 </Control>
 </file>
 
 <file path=customXml/item41.xml><?xml version="1.0" encoding="utf-8"?>
 <Control xmlns="http://schemas.microsoft.com/VisualStudio/2011/storyboarding/control">
-  <Id Name="2d849f50-7222-4980-9591-24453cacae64" Revision="1" Stencil="85a07843-b809-41ee-b566-325b1850150a" StencilVersion="1.0"/>
+  <Id Name="System.Storyboarding.Common.TextInput" Revision="1" Stencil="System.Storyboarding.Common" StencilVersion="0.1"/>
 </Control>
 </file>
 
 <file path=customXml/item42.xml><?xml version="1.0" encoding="utf-8"?>
 <Control xmlns="http://schemas.microsoft.com/VisualStudio/2011/storyboarding/control">
-  <Id Name="2d849f50-7222-4980-9591-24453cacae64" Revision="1" Stencil="85a07843-b809-41ee-b566-325b1850150a" StencilVersion="1.0"/>
+  <Id Name="System.Storyboarding.Common.Text" Revision="1" Stencil="System.Storyboarding.Common" StencilVersion="0.1"/>
 </Control>
 </file>
 
 <file path=customXml/item43.xml><?xml version="1.0" encoding="utf-8"?>
 <Control xmlns="http://schemas.microsoft.com/VisualStudio/2011/storyboarding/control">
-  <Id Name="2d849f50-7222-4980-9591-24453cacae64" Revision="1" Stencil="85a07843-b809-41ee-b566-325b1850150a" StencilVersion="1.0"/>
+  <Id Name="System.Storyboarding.Common.SearchBox" Revision="1" Stencil="System.Storyboarding.Common" StencilVersion="0.1"/>
 </Control>
 </file>
 
 <file path=customXml/item44.xml><?xml version="1.0" encoding="utf-8"?>
 <Control xmlns="http://schemas.microsoft.com/VisualStudio/2011/storyboarding/control">
-  <Id Name="System.Storyboarding.Common.Button" Revision="1" Stencil="System.Storyboarding.Common" StencilVersion="0.1"/>
+  <Id Name="System.Storyboarding.Common.Text" Revision="1" Stencil="System.Storyboarding.Common" StencilVersion="0.1"/>
 </Control>
 </file>
 
@@ -15307,13 +15471,13 @@
 
 <file path=customXml/item46.xml><?xml version="1.0" encoding="utf-8"?>
 <Control xmlns="http://schemas.microsoft.com/VisualStudio/2011/storyboarding/control">
-  <Id Name="System.Storyboarding.Common.SearchBox" Revision="1" Stencil="System.Storyboarding.Common" StencilVersion="0.1"/>
+  <Id Name="System.Storyboarding.Common.Button" Revision="1" Stencil="System.Storyboarding.Common" StencilVersion="0.1"/>
 </Control>
 </file>
 
 <file path=customXml/item47.xml><?xml version="1.0" encoding="utf-8"?>
 <Control xmlns="http://schemas.microsoft.com/VisualStudio/2011/storyboarding/control">
-  <Id Name="System.Storyboarding.Common.Button" Revision="1" Stencil="System.Storyboarding.Common" StencilVersion="0.1"/>
+  <Id Name="2d849f50-7222-4980-9591-24453cacae64" Revision="1" Stencil="85a07843-b809-41ee-b566-325b1850150a" StencilVersion="1.0"/>
 </Control>
 </file>
 
@@ -15325,19 +15489,19 @@
 
 <file path=customXml/item49.xml><?xml version="1.0" encoding="utf-8"?>
 <Control xmlns="http://schemas.microsoft.com/VisualStudio/2011/storyboarding/control">
-  <Id Name="System.Storyboarding.Common.Button" Revision="1" Stencil="System.Storyboarding.Common" StencilVersion="0.1"/>
+  <Id Name="System.Storyboarding.Common.Text" Revision="1" Stencil="System.Storyboarding.Common" StencilVersion="0.1"/>
 </Control>
 </file>
 
 <file path=customXml/item5.xml><?xml version="1.0" encoding="utf-8"?>
 <Control xmlns="http://schemas.microsoft.com/VisualStudio/2011/storyboarding/control">
-  <Id Name="System.Storyboarding.Common.Text" Revision="1" Stencil="System.Storyboarding.Common" StencilVersion="0.1"/>
+  <Id Name="System.Storyboarding.Annotation.AnimatedBanner" Revision="1" Stencil="System.Storyboarding.Annotation" StencilVersion="0.1"/>
 </Control>
 </file>
 
 <file path=customXml/item50.xml><?xml version="1.0" encoding="utf-8"?>
 <Control xmlns="http://schemas.microsoft.com/VisualStudio/2011/storyboarding/control">
-  <Id Name="System.Storyboarding.Common.Button" Revision="1" Stencil="System.Storyboarding.Common" StencilVersion="0.1"/>
+  <Id Name="System.Storyboarding.Common.SearchBox" Revision="1" Stencil="System.Storyboarding.Common" StencilVersion="0.1"/>
 </Control>
 </file>
 
@@ -15349,85 +15513,85 @@
 
 <file path=customXml/item52.xml><?xml version="1.0" encoding="utf-8"?>
 <Control xmlns="http://schemas.microsoft.com/VisualStudio/2011/storyboarding/control">
-  <Id Name="System.Storyboarding.Common.Button" Revision="1" Stencil="System.Storyboarding.Common" StencilVersion="0.1"/>
+  <Id Name="System.Storyboarding.Common.Text" Revision="1" Stencil="System.Storyboarding.Common" StencilVersion="0.1"/>
 </Control>
 </file>
 
 <file path=customXml/item53.xml><?xml version="1.0" encoding="utf-8"?>
+<Control xmlns="http://schemas.microsoft.com/VisualStudio/2011/storyboarding/control">
+  <Id Name="System.Storyboarding.Annotation.AnimatedBanner" Revision="1" Stencil="System.Storyboarding.Annotation" StencilVersion="0.1"/>
+</Control>
+</file>
+
+<file path=customXml/item54.xml><?xml version="1.0" encoding="utf-8"?>
+<Control xmlns="http://schemas.microsoft.com/VisualStudio/2011/storyboarding/control">
+  <Id Name="2d849f50-7222-4980-9591-24453cacae64" Revision="1" Stencil="85a07843-b809-41ee-b566-325b1850150a" StencilVersion="1.0"/>
+</Control>
+</file>
+
+<file path=customXml/item55.xml><?xml version="1.0" encoding="utf-8"?>
 <Control xmlns="http://schemas.microsoft.com/VisualStudio/2011/storyboarding/control">
   <Id Name="System.Storyboarding.Common.Button" Revision="1" Stencil="System.Storyboarding.Common" StencilVersion="0.1"/>
 </Control>
 </file>
 
-<file path=customXml/item54.xml><?xml version="1.0" encoding="utf-8"?>
+<file path=customXml/item56.xml><?xml version="1.0" encoding="utf-8"?>
 <Control xmlns="http://schemas.microsoft.com/VisualStudio/2011/storyboarding/control">
   <Id Name="System.Storyboarding.Common.Button" Revision="1" Stencil="System.Storyboarding.Common" StencilVersion="0.1"/>
 </Control>
 </file>
 
-<file path=customXml/item55.xml><?xml version="1.0" encoding="utf-8"?>
+<file path=customXml/item57.xml><?xml version="1.0" encoding="utf-8"?>
+<Control xmlns="http://schemas.microsoft.com/VisualStudio/2011/storyboarding/control">
+  <Id Name="System.Storyboarding.Common.Button" Revision="1" Stencil="System.Storyboarding.Common" StencilVersion="0.1"/>
+</Control>
+</file>
+
+<file path=customXml/item58.xml><?xml version="1.0" encoding="utf-8"?>
+<Control xmlns="http://schemas.microsoft.com/VisualStudio/2011/storyboarding/control">
+  <Id Name="System.Storyboarding.Common.Button" Revision="1" Stencil="System.Storyboarding.Common" StencilVersion="0.1"/>
+</Control>
+</file>
+
+<file path=customXml/item59.xml><?xml version="1.0" encoding="utf-8"?>
 <Control xmlns="http://schemas.microsoft.com/VisualStudio/2011/storyboarding/control">
   <Id Name="System.Storyboarding.Common.MousePointer" Revision="1" Stencil="System.Storyboarding.Common" StencilVersion="0.1"/>
 </Control>
 </file>
 
-<file path=customXml/item56.xml><?xml version="1.0" encoding="utf-8"?>
+<file path=customXml/item6.xml><?xml version="1.0" encoding="utf-8"?>
 <Control xmlns="http://schemas.microsoft.com/VisualStudio/2011/storyboarding/control">
-  <Id Name="d42b760e-5991-4d9c-9e6c-900df013d5d9" Revision="1" Stencil="85a07843-b809-41ee-b566-325b1850150a" StencilVersion="1.0"/>
+  <Id Name="System.Storyboarding.Common.Button" Revision="1" Stencil="System.Storyboarding.Common" StencilVersion="0.1"/>
 </Control>
 </file>
 
-<file path=customXml/item57.xml><?xml version="1.0" encoding="utf-8"?>
+<file path=customXml/item60.xml><?xml version="1.0" encoding="utf-8"?>
+<Control xmlns="http://schemas.microsoft.com/VisualStudio/2011/storyboarding/control">
+  <Id Name="System.Storyboarding.Annotation.AnimatedBanner" Revision="1" Stencil="System.Storyboarding.Annotation" StencilVersion="0.1"/>
+</Control>
+</file>
+
+<file path=customXml/item61.xml><?xml version="1.0" encoding="utf-8"?>
 <Control xmlns="http://schemas.microsoft.com/VisualStudio/2011/storyboarding/control">
   <Id Name="System.Storyboarding.Common.MousePointer" Revision="1" Stencil="System.Storyboarding.Common" StencilVersion="0.1"/>
 </Control>
 </file>
 
-<file path=customXml/item58.xml><?xml version="1.0" encoding="utf-8"?>
+<file path=customXml/item62.xml><?xml version="1.0" encoding="utf-8"?>
+<Control xmlns="http://schemas.microsoft.com/VisualStudio/2011/storyboarding/control">
+  <Id Name="System.Storyboarding.Common.Button" Revision="1" Stencil="System.Storyboarding.Common" StencilVersion="0.1"/>
+</Control>
+</file>
+
+<file path=customXml/item63.xml><?xml version="1.0" encoding="utf-8"?>
+<Control xmlns="http://schemas.microsoft.com/VisualStudio/2011/storyboarding/control">
+  <Id Name="System.Storyboarding.Common.Button" Revision="1" Stencil="System.Storyboarding.Common" StencilVersion="0.1"/>
+</Control>
+</file>
+
+<file path=customXml/item64.xml><?xml version="1.0" encoding="utf-8"?>
 <Control xmlns="http://schemas.microsoft.com/VisualStudio/2011/storyboarding/control">
   <Id Name="System.Storyboarding.Common.Text" Revision="1" Stencil="System.Storyboarding.Common" StencilVersion="0.1"/>
-</Control>
-</file>
-
-<file path=customXml/item59.xml><?xml version="1.0" encoding="utf-8"?>
-<Control xmlns="http://schemas.microsoft.com/VisualStudio/2011/storyboarding/control">
-  <Id Name="System.Storyboarding.Common.Text" Revision="1" Stencil="System.Storyboarding.Common" StencilVersion="0.1"/>
-</Control>
-</file>
-
-<file path=customXml/item6.xml><?xml version="1.0" encoding="utf-8"?>
-<Control xmlns="http://schemas.microsoft.com/VisualStudio/2011/storyboarding/control">
-  <Id Name="System.Storyboarding.Annotation.AnimatedBanner" Revision="1" Stencil="System.Storyboarding.Annotation" StencilVersion="0.1"/>
-</Control>
-</file>
-
-<file path=customXml/item60.xml><?xml version="1.0" encoding="utf-8"?>
-<Control xmlns="http://schemas.microsoft.com/VisualStudio/2011/storyboarding/control">
-  <Id Name="System.Storyboarding.Common.Text" Revision="1" Stencil="System.Storyboarding.Common" StencilVersion="0.1"/>
-</Control>
-</file>
-
-<file path=customXml/item61.xml><?xml version="1.0" encoding="utf-8"?>
-<Control xmlns="http://schemas.microsoft.com/VisualStudio/2011/storyboarding/control">
-  <Id Name="System.Storyboarding.Common.Text" Revision="1" Stencil="System.Storyboarding.Common" StencilVersion="0.1"/>
-</Control>
-</file>
-
-<file path=customXml/item62.xml><?xml version="1.0" encoding="utf-8"?>
-<Control xmlns="http://schemas.microsoft.com/VisualStudio/2011/storyboarding/control">
-  <Id Name="System.Storyboarding.Common.Text" Revision="1" Stencil="System.Storyboarding.Common" StencilVersion="0.1"/>
-</Control>
-</file>
-
-<file path=customXml/item63.xml><?xml version="1.0" encoding="utf-8"?>
-<Control xmlns="http://schemas.microsoft.com/VisualStudio/2011/storyboarding/control">
-  <Id Name="System.Storyboarding.Common.Text" Revision="1" Stencil="System.Storyboarding.Common" StencilVersion="0.1"/>
-</Control>
-</file>
-
-<file path=customXml/item64.xml><?xml version="1.0" encoding="utf-8"?>
-<Control xmlns="http://schemas.microsoft.com/VisualStudio/2011/storyboarding/control">
-  <Id Name="System.Storyboarding.Common.TextInput" Revision="1" Stencil="System.Storyboarding.Common" StencilVersion="0.1"/>
 </Control>
 </file>
 
@@ -15451,31 +15615,31 @@
 
 <file path=customXml/item68.xml><?xml version="1.0" encoding="utf-8"?>
 <Control xmlns="http://schemas.microsoft.com/VisualStudio/2011/storyboarding/control">
-  <Id Name="System.Storyboarding.Common.Text" Revision="1" Stencil="System.Storyboarding.Common" StencilVersion="0.1"/>
+  <Id Name="System.Storyboarding.Common.Button" Revision="1" Stencil="System.Storyboarding.Common" StencilVersion="0.1"/>
 </Control>
 </file>
 
 <file path=customXml/item69.xml><?xml version="1.0" encoding="utf-8"?>
+<Control xmlns="http://schemas.microsoft.com/VisualStudio/2011/storyboarding/control">
+  <Id Name="System.Storyboarding.Annotation.AnimatedBanner" Revision="1" Stencil="System.Storyboarding.Annotation" StencilVersion="0.1"/>
+</Control>
+</file>
+
+<file path=customXml/item7.xml><?xml version="1.0" encoding="utf-8"?>
 <Control xmlns="http://schemas.microsoft.com/VisualStudio/2011/storyboarding/control">
   <Id Name="System.Storyboarding.Common.Text" Revision="1" Stencil="System.Storyboarding.Common" StencilVersion="0.1"/>
 </Control>
 </file>
 
-<file path=customXml/item7.xml><?xml version="1.0" encoding="utf-8"?>
-<Control xmlns="http://schemas.microsoft.com/VisualStudio/2011/storyboarding/control">
-  <Id Name="System.Storyboarding.Annotation.AnimatedBanner" Revision="1" Stencil="System.Storyboarding.Annotation" StencilVersion="0.1"/>
-</Control>
-</file>
-
 <file path=customXml/item70.xml><?xml version="1.0" encoding="utf-8"?>
 <Control xmlns="http://schemas.microsoft.com/VisualStudio/2011/storyboarding/control">
-  <Id Name="System.Storyboarding.Common.SearchBox" Revision="1" Stencil="System.Storyboarding.Common" StencilVersion="0.1"/>
+  <Id Name="System.Storyboarding.Common.Text" Revision="1" Stencil="System.Storyboarding.Common" StencilVersion="0.1"/>
 </Control>
 </file>
 
 <file path=customXml/item71.xml><?xml version="1.0" encoding="utf-8"?>
 <Control xmlns="http://schemas.microsoft.com/VisualStudio/2011/storyboarding/control">
-  <Id Name="System.Storyboarding.Common.Button" Revision="1" Stencil="System.Storyboarding.Common" StencilVersion="0.1"/>
+  <Id Name="2d849f50-7222-4980-9591-24453cacae64" Revision="1" Stencil="85a07843-b809-41ee-b566-325b1850150a" StencilVersion="1.0"/>
 </Control>
 </file>
 
@@ -15487,7 +15651,7 @@
 
 <file path=customXml/item73.xml><?xml version="1.0" encoding="utf-8"?>
 <Control xmlns="http://schemas.microsoft.com/VisualStudio/2011/storyboarding/control">
-  <Id Name="System.Storyboarding.Common.Button" Revision="1" Stencil="System.Storyboarding.Common" StencilVersion="0.1"/>
+  <Id Name="2d849f50-7222-4980-9591-24453cacae64" Revision="1" Stencil="85a07843-b809-41ee-b566-325b1850150a" StencilVersion="1.0"/>
 </Control>
 </file>
 
@@ -15499,13 +15663,13 @@
 
 <file path=customXml/item75.xml><?xml version="1.0" encoding="utf-8"?>
 <Control xmlns="http://schemas.microsoft.com/VisualStudio/2011/storyboarding/control">
-  <Id Name="System.Storyboarding.Common.Button" Revision="1" Stencil="System.Storyboarding.Common" StencilVersion="0.1"/>
+  <Id Name="System.Storyboarding.Common.TextInput" Revision="1" Stencil="System.Storyboarding.Common" StencilVersion="0.1"/>
 </Control>
 </file>
 
 <file path=customXml/item76.xml><?xml version="1.0" encoding="utf-8"?>
 <Control xmlns="http://schemas.microsoft.com/VisualStudio/2011/storyboarding/control">
-  <Id Name="System.Storyboarding.Common.Button" Revision="1" Stencil="System.Storyboarding.Common" StencilVersion="0.1"/>
+  <Id Name="2d849f50-7222-4980-9591-24453cacae64" Revision="1" Stencil="85a07843-b809-41ee-b566-325b1850150a" StencilVersion="1.0"/>
 </Control>
 </file>
 
@@ -15521,19 +15685,401 @@
 </Control>
 </file>
 
+<file path=customXml/item79.xml><?xml version="1.0" encoding="utf-8"?>
+<Control xmlns="http://schemas.microsoft.com/VisualStudio/2011/storyboarding/control">
+  <Id Name="System.Storyboarding.Common.MousePointer" Revision="1" Stencil="System.Storyboarding.Common" StencilVersion="0.1"/>
+</Control>
+</file>
+
 <file path=customXml/item8.xml><?xml version="1.0" encoding="utf-8"?>
 <Control xmlns="http://schemas.microsoft.com/VisualStudio/2011/storyboarding/control">
-  <Id Name="System.Storyboarding.Common.MouseClick" Revision="1" Stencil="System.Storyboarding.Common" StencilVersion="0.1"/>
+  <Id Name="2d849f50-7222-4980-9591-24453cacae64" Revision="1" Stencil="85a07843-b809-41ee-b566-325b1850150a" StencilVersion="1.0"/>
 </Control>
 </file>
 
 <file path=customXml/item9.xml><?xml version="1.0" encoding="utf-8"?>
 <Control xmlns="http://schemas.microsoft.com/VisualStudio/2011/storyboarding/control">
-  <Id Name="System.Storyboarding.Annotation.AnimatedBanner" Revision="1" Stencil="System.Storyboarding.Annotation" StencilVersion="0.1"/>
+  <Id Name="System.Storyboarding.Common.Button" Revision="1" Stencil="System.Storyboarding.Common" StencilVersion="0.1"/>
 </Control>
 </file>
 
 <file path=customXml/itemProps1.xml><?xml version="1.0" encoding="utf-8"?>
+<ds:datastoreItem xmlns:ds="http://schemas.openxmlformats.org/officeDocument/2006/customXml" ds:itemID="{8EA8FD1B-7434-4B15-B76B-3EFA7AC1990D}">
+  <ds:schemaRefs>
+    <ds:schemaRef ds:uri="http://schemas.microsoft.com/VisualStudio/2011/storyboarding/control"/>
+  </ds:schemaRefs>
+</ds:datastoreItem>
+</file>
+
+<file path=customXml/itemProps10.xml><?xml version="1.0" encoding="utf-8"?>
+<ds:datastoreItem xmlns:ds="http://schemas.openxmlformats.org/officeDocument/2006/customXml" ds:itemID="{E23AA6C6-66D5-41EF-9B08-F95748997E3F}">
+  <ds:schemaRefs>
+    <ds:schemaRef ds:uri="http://schemas.microsoft.com/VisualStudio/2011/storyboarding/control"/>
+  </ds:schemaRefs>
+</ds:datastoreItem>
+</file>
+
+<file path=customXml/itemProps11.xml><?xml version="1.0" encoding="utf-8"?>
+<ds:datastoreItem xmlns:ds="http://schemas.openxmlformats.org/officeDocument/2006/customXml" ds:itemID="{4BAF07E2-E7DC-41B5-931A-EBF205A5071A}">
+  <ds:schemaRefs>
+    <ds:schemaRef ds:uri="http://schemas.microsoft.com/VisualStudio/2011/storyboarding/control"/>
+  </ds:schemaRefs>
+</ds:datastoreItem>
+</file>
+
+<file path=customXml/itemProps12.xml><?xml version="1.0" encoding="utf-8"?>
+<ds:datastoreItem xmlns:ds="http://schemas.openxmlformats.org/officeDocument/2006/customXml" ds:itemID="{ACE3832C-4A3F-4E71-AE27-C3FBDC947BD1}">
+  <ds:schemaRefs>
+    <ds:schemaRef ds:uri="http://schemas.microsoft.com/VisualStudio/2011/storyboarding/control"/>
+  </ds:schemaRefs>
+</ds:datastoreItem>
+</file>
+
+<file path=customXml/itemProps13.xml><?xml version="1.0" encoding="utf-8"?>
+<ds:datastoreItem xmlns:ds="http://schemas.openxmlformats.org/officeDocument/2006/customXml" ds:itemID="{4050C175-0388-42BB-9C0B-6159423B96B3}">
+  <ds:schemaRefs>
+    <ds:schemaRef ds:uri="http://schemas.microsoft.com/VisualStudio/2011/storyboarding/control"/>
+  </ds:schemaRefs>
+</ds:datastoreItem>
+</file>
+
+<file path=customXml/itemProps14.xml><?xml version="1.0" encoding="utf-8"?>
+<ds:datastoreItem xmlns:ds="http://schemas.openxmlformats.org/officeDocument/2006/customXml" ds:itemID="{9ADF1E48-E45A-45D9-9283-BC9F33427ED4}">
+  <ds:schemaRefs>
+    <ds:schemaRef ds:uri="http://schemas.microsoft.com/VisualStudio/2011/storyboarding/control"/>
+  </ds:schemaRefs>
+</ds:datastoreItem>
+</file>
+
+<file path=customXml/itemProps15.xml><?xml version="1.0" encoding="utf-8"?>
+<ds:datastoreItem xmlns:ds="http://schemas.openxmlformats.org/officeDocument/2006/customXml" ds:itemID="{A121AF12-522A-49B5-A95F-C8ABE93E4468}">
+  <ds:schemaRefs>
+    <ds:schemaRef ds:uri="http://schemas.microsoft.com/VisualStudio/2011/storyboarding/control"/>
+  </ds:schemaRefs>
+</ds:datastoreItem>
+</file>
+
+<file path=customXml/itemProps16.xml><?xml version="1.0" encoding="utf-8"?>
+<ds:datastoreItem xmlns:ds="http://schemas.openxmlformats.org/officeDocument/2006/customXml" ds:itemID="{CEFDD4FC-CCD0-4187-B34B-B972F2D69989}">
+  <ds:schemaRefs>
+    <ds:schemaRef ds:uri="http://schemas.microsoft.com/VisualStudio/2011/storyboarding/control"/>
+  </ds:schemaRefs>
+</ds:datastoreItem>
+</file>
+
+<file path=customXml/itemProps17.xml><?xml version="1.0" encoding="utf-8"?>
+<ds:datastoreItem xmlns:ds="http://schemas.openxmlformats.org/officeDocument/2006/customXml" ds:itemID="{62B2F631-446C-47F5-B2CA-D39B3525B9B3}">
+  <ds:schemaRefs>
+    <ds:schemaRef ds:uri="http://schemas.microsoft.com/VisualStudio/2011/storyboarding/control"/>
+  </ds:schemaRefs>
+</ds:datastoreItem>
+</file>
+
+<file path=customXml/itemProps18.xml><?xml version="1.0" encoding="utf-8"?>
+<ds:datastoreItem xmlns:ds="http://schemas.openxmlformats.org/officeDocument/2006/customXml" ds:itemID="{DEEB4FAF-A541-46B0-B6CD-810995052DEC}">
+  <ds:schemaRefs>
+    <ds:schemaRef ds:uri="http://schemas.microsoft.com/VisualStudio/2011/storyboarding/control"/>
+  </ds:schemaRefs>
+</ds:datastoreItem>
+</file>
+
+<file path=customXml/itemProps19.xml><?xml version="1.0" encoding="utf-8"?>
+<ds:datastoreItem xmlns:ds="http://schemas.openxmlformats.org/officeDocument/2006/customXml" ds:itemID="{1FC5C983-9100-4F92-BFDA-FA88DA552BCC}">
+  <ds:schemaRefs>
+    <ds:schemaRef ds:uri="http://schemas.microsoft.com/VisualStudio/2011/storyboarding/control"/>
+  </ds:schemaRefs>
+</ds:datastoreItem>
+</file>
+
+<file path=customXml/itemProps2.xml><?xml version="1.0" encoding="utf-8"?>
+<ds:datastoreItem xmlns:ds="http://schemas.openxmlformats.org/officeDocument/2006/customXml" ds:itemID="{509C901D-2AAD-4E8C-8C5A-CB713216A09B}">
+  <ds:schemaRefs>
+    <ds:schemaRef ds:uri="http://schemas.microsoft.com/VisualStudio/2011/storyboarding/control"/>
+  </ds:schemaRefs>
+</ds:datastoreItem>
+</file>
+
+<file path=customXml/itemProps20.xml><?xml version="1.0" encoding="utf-8"?>
+<ds:datastoreItem xmlns:ds="http://schemas.openxmlformats.org/officeDocument/2006/customXml" ds:itemID="{971CB74E-CE31-4676-A8C4-8A10ED2ACF5E}">
+  <ds:schemaRefs>
+    <ds:schemaRef ds:uri="http://schemas.microsoft.com/VisualStudio/2011/storyboarding/control"/>
+  </ds:schemaRefs>
+</ds:datastoreItem>
+</file>
+
+<file path=customXml/itemProps21.xml><?xml version="1.0" encoding="utf-8"?>
+<ds:datastoreItem xmlns:ds="http://schemas.openxmlformats.org/officeDocument/2006/customXml" ds:itemID="{68891D0E-6E63-4E07-86E2-C382E62195E7}">
+  <ds:schemaRefs>
+    <ds:schemaRef ds:uri="http://schemas.microsoft.com/VisualStudio/2011/storyboarding/control"/>
+  </ds:schemaRefs>
+</ds:datastoreItem>
+</file>
+
+<file path=customXml/itemProps22.xml><?xml version="1.0" encoding="utf-8"?>
+<ds:datastoreItem xmlns:ds="http://schemas.openxmlformats.org/officeDocument/2006/customXml" ds:itemID="{1E0E21B3-F885-4F88-8D0B-6B0C3BF3EE59}">
+  <ds:schemaRefs>
+    <ds:schemaRef ds:uri="http://schemas.microsoft.com/VisualStudio/2011/storyboarding/control"/>
+  </ds:schemaRefs>
+</ds:datastoreItem>
+</file>
+
+<file path=customXml/itemProps23.xml><?xml version="1.0" encoding="utf-8"?>
+<ds:datastoreItem xmlns:ds="http://schemas.openxmlformats.org/officeDocument/2006/customXml" ds:itemID="{488C12D9-068B-4C82-973A-F8B3021FE541}">
+  <ds:schemaRefs>
+    <ds:schemaRef ds:uri="http://schemas.microsoft.com/VisualStudio/2011/storyboarding/control"/>
+  </ds:schemaRefs>
+</ds:datastoreItem>
+</file>
+
+<file path=customXml/itemProps24.xml><?xml version="1.0" encoding="utf-8"?>
+<ds:datastoreItem xmlns:ds="http://schemas.openxmlformats.org/officeDocument/2006/customXml" ds:itemID="{F39F845E-2753-4580-89D2-610141081362}">
+  <ds:schemaRefs>
+    <ds:schemaRef ds:uri="http://schemas.microsoft.com/VisualStudio/2011/storyboarding/control"/>
+  </ds:schemaRefs>
+</ds:datastoreItem>
+</file>
+
+<file path=customXml/itemProps25.xml><?xml version="1.0" encoding="utf-8"?>
+<ds:datastoreItem xmlns:ds="http://schemas.openxmlformats.org/officeDocument/2006/customXml" ds:itemID="{51818D5F-094E-43A1-9E5C-F5DA3B02D512}">
+  <ds:schemaRefs>
+    <ds:schemaRef ds:uri="http://schemas.microsoft.com/VisualStudio/2011/storyboarding/control"/>
+  </ds:schemaRefs>
+</ds:datastoreItem>
+</file>
+
+<file path=customXml/itemProps26.xml><?xml version="1.0" encoding="utf-8"?>
+<ds:datastoreItem xmlns:ds="http://schemas.openxmlformats.org/officeDocument/2006/customXml" ds:itemID="{79093FF4-1DDD-4C40-BE57-F30E94897E78}">
+  <ds:schemaRefs>
+    <ds:schemaRef ds:uri="http://schemas.microsoft.com/VisualStudio/2011/storyboarding/control"/>
+  </ds:schemaRefs>
+</ds:datastoreItem>
+</file>
+
+<file path=customXml/itemProps27.xml><?xml version="1.0" encoding="utf-8"?>
+<ds:datastoreItem xmlns:ds="http://schemas.openxmlformats.org/officeDocument/2006/customXml" ds:itemID="{96DBC1E2-7B0F-4594-908C-511C34EBA413}">
+  <ds:schemaRefs>
+    <ds:schemaRef ds:uri="http://schemas.microsoft.com/VisualStudio/2011/storyboarding/control"/>
+  </ds:schemaRefs>
+</ds:datastoreItem>
+</file>
+
+<file path=customXml/itemProps28.xml><?xml version="1.0" encoding="utf-8"?>
+<ds:datastoreItem xmlns:ds="http://schemas.openxmlformats.org/officeDocument/2006/customXml" ds:itemID="{13054C84-C8E3-4AE4-90E8-BC7F739DD38F}">
+  <ds:schemaRefs>
+    <ds:schemaRef ds:uri="http://schemas.microsoft.com/VisualStudio/2011/storyboarding/control"/>
+  </ds:schemaRefs>
+</ds:datastoreItem>
+</file>
+
+<file path=customXml/itemProps29.xml><?xml version="1.0" encoding="utf-8"?>
+<ds:datastoreItem xmlns:ds="http://schemas.openxmlformats.org/officeDocument/2006/customXml" ds:itemID="{C56FBF5B-D966-443E-AD8C-4BEFDDC15A24}">
+  <ds:schemaRefs>
+    <ds:schemaRef ds:uri="http://schemas.microsoft.com/VisualStudio/2011/storyboarding/control"/>
+  </ds:schemaRefs>
+</ds:datastoreItem>
+</file>
+
+<file path=customXml/itemProps3.xml><?xml version="1.0" encoding="utf-8"?>
+<ds:datastoreItem xmlns:ds="http://schemas.openxmlformats.org/officeDocument/2006/customXml" ds:itemID="{85938F22-55DC-4C8A-A724-862893360C0C}">
+  <ds:schemaRefs>
+    <ds:schemaRef ds:uri="http://schemas.microsoft.com/VisualStudio/2011/storyboarding/control"/>
+  </ds:schemaRefs>
+</ds:datastoreItem>
+</file>
+
+<file path=customXml/itemProps30.xml><?xml version="1.0" encoding="utf-8"?>
+<ds:datastoreItem xmlns:ds="http://schemas.openxmlformats.org/officeDocument/2006/customXml" ds:itemID="{B9F9F1B4-D9BF-4959-ABE5-99C6B90FF576}">
+  <ds:schemaRefs>
+    <ds:schemaRef ds:uri="http://schemas.microsoft.com/VisualStudio/2011/storyboarding/control"/>
+  </ds:schemaRefs>
+</ds:datastoreItem>
+</file>
+
+<file path=customXml/itemProps31.xml><?xml version="1.0" encoding="utf-8"?>
+<ds:datastoreItem xmlns:ds="http://schemas.openxmlformats.org/officeDocument/2006/customXml" ds:itemID="{D4166401-9126-4967-B451-FAE4C547F7B4}">
+  <ds:schemaRefs>
+    <ds:schemaRef ds:uri="http://schemas.microsoft.com/VisualStudio/2011/storyboarding/control"/>
+  </ds:schemaRefs>
+</ds:datastoreItem>
+</file>
+
+<file path=customXml/itemProps32.xml><?xml version="1.0" encoding="utf-8"?>
+<ds:datastoreItem xmlns:ds="http://schemas.openxmlformats.org/officeDocument/2006/customXml" ds:itemID="{65EF8635-09A9-41A2-B58E-267FFB349624}">
+  <ds:schemaRefs>
+    <ds:schemaRef ds:uri="http://schemas.microsoft.com/VisualStudio/2011/storyboarding/control"/>
+  </ds:schemaRefs>
+</ds:datastoreItem>
+</file>
+
+<file path=customXml/itemProps33.xml><?xml version="1.0" encoding="utf-8"?>
+<ds:datastoreItem xmlns:ds="http://schemas.openxmlformats.org/officeDocument/2006/customXml" ds:itemID="{4CF64963-3D63-4000-9CA6-622A57F32F2C}">
+  <ds:schemaRefs>
+    <ds:schemaRef ds:uri="http://schemas.microsoft.com/VisualStudio/2011/storyboarding/control"/>
+  </ds:schemaRefs>
+</ds:datastoreItem>
+</file>
+
+<file path=customXml/itemProps34.xml><?xml version="1.0" encoding="utf-8"?>
+<ds:datastoreItem xmlns:ds="http://schemas.openxmlformats.org/officeDocument/2006/customXml" ds:itemID="{A272A6DA-7D6D-4AE5-A4E0-0D37F2914BF1}">
+  <ds:schemaRefs>
+    <ds:schemaRef ds:uri="http://schemas.microsoft.com/VisualStudio/2011/storyboarding/control"/>
+  </ds:schemaRefs>
+</ds:datastoreItem>
+</file>
+
+<file path=customXml/itemProps35.xml><?xml version="1.0" encoding="utf-8"?>
+<ds:datastoreItem xmlns:ds="http://schemas.openxmlformats.org/officeDocument/2006/customXml" ds:itemID="{E3568CAD-2FC9-402F-A338-BD2DC611450C}">
+  <ds:schemaRefs>
+    <ds:schemaRef ds:uri="http://schemas.microsoft.com/VisualStudio/2011/storyboarding/control"/>
+  </ds:schemaRefs>
+</ds:datastoreItem>
+</file>
+
+<file path=customXml/itemProps36.xml><?xml version="1.0" encoding="utf-8"?>
+<ds:datastoreItem xmlns:ds="http://schemas.openxmlformats.org/officeDocument/2006/customXml" ds:itemID="{9145CF6E-5FD4-486C-BD8E-06326CCB1686}">
+  <ds:schemaRefs>
+    <ds:schemaRef ds:uri="http://schemas.microsoft.com/VisualStudio/2011/storyboarding/control"/>
+  </ds:schemaRefs>
+</ds:datastoreItem>
+</file>
+
+<file path=customXml/itemProps37.xml><?xml version="1.0" encoding="utf-8"?>
+<ds:datastoreItem xmlns:ds="http://schemas.openxmlformats.org/officeDocument/2006/customXml" ds:itemID="{68C6BC75-F055-4B1D-ABF8-240155002B00}">
+  <ds:schemaRefs>
+    <ds:schemaRef ds:uri="http://schemas.microsoft.com/VisualStudio/2011/storyboarding/control"/>
+  </ds:schemaRefs>
+</ds:datastoreItem>
+</file>
+
+<file path=customXml/itemProps38.xml><?xml version="1.0" encoding="utf-8"?>
+<ds:datastoreItem xmlns:ds="http://schemas.openxmlformats.org/officeDocument/2006/customXml" ds:itemID="{4878B1BB-1064-444C-AC63-789355DA70FF}">
+  <ds:schemaRefs>
+    <ds:schemaRef ds:uri="http://schemas.microsoft.com/VisualStudio/2011/storyboarding/control"/>
+  </ds:schemaRefs>
+</ds:datastoreItem>
+</file>
+
+<file path=customXml/itemProps39.xml><?xml version="1.0" encoding="utf-8"?>
+<ds:datastoreItem xmlns:ds="http://schemas.openxmlformats.org/officeDocument/2006/customXml" ds:itemID="{96E20EBB-7037-4C56-9463-6A543AA2F1B2}">
+  <ds:schemaRefs>
+    <ds:schemaRef ds:uri="http://schemas.microsoft.com/VisualStudio/2011/storyboarding/control"/>
+  </ds:schemaRefs>
+</ds:datastoreItem>
+</file>
+
+<file path=customXml/itemProps4.xml><?xml version="1.0" encoding="utf-8"?>
+<ds:datastoreItem xmlns:ds="http://schemas.openxmlformats.org/officeDocument/2006/customXml" ds:itemID="{96160008-6123-430B-915A-36F5B8C26A26}">
+  <ds:schemaRefs>
+    <ds:schemaRef ds:uri="http://schemas.microsoft.com/VisualStudio/2011/storyboarding/control"/>
+  </ds:schemaRefs>
+</ds:datastoreItem>
+</file>
+
+<file path=customXml/itemProps40.xml><?xml version="1.0" encoding="utf-8"?>
+<ds:datastoreItem xmlns:ds="http://schemas.openxmlformats.org/officeDocument/2006/customXml" ds:itemID="{249A15CA-53B2-4706-987F-D63B4E6CB916}">
+  <ds:schemaRefs>
+    <ds:schemaRef ds:uri="http://schemas.microsoft.com/VisualStudio/2011/storyboarding/control"/>
+  </ds:schemaRefs>
+</ds:datastoreItem>
+</file>
+
+<file path=customXml/itemProps41.xml><?xml version="1.0" encoding="utf-8"?>
+<ds:datastoreItem xmlns:ds="http://schemas.openxmlformats.org/officeDocument/2006/customXml" ds:itemID="{1D00CA4C-4668-4C38-9697-95A1032F6E0C}">
+  <ds:schemaRefs>
+    <ds:schemaRef ds:uri="http://schemas.microsoft.com/VisualStudio/2011/storyboarding/control"/>
+  </ds:schemaRefs>
+</ds:datastoreItem>
+</file>
+
+<file path=customXml/itemProps42.xml><?xml version="1.0" encoding="utf-8"?>
+<ds:datastoreItem xmlns:ds="http://schemas.openxmlformats.org/officeDocument/2006/customXml" ds:itemID="{B37B26D3-40EF-456B-94C7-08BFA09EC86A}">
+  <ds:schemaRefs>
+    <ds:schemaRef ds:uri="http://schemas.microsoft.com/VisualStudio/2011/storyboarding/control"/>
+  </ds:schemaRefs>
+</ds:datastoreItem>
+</file>
+
+<file path=customXml/itemProps43.xml><?xml version="1.0" encoding="utf-8"?>
+<ds:datastoreItem xmlns:ds="http://schemas.openxmlformats.org/officeDocument/2006/customXml" ds:itemID="{D8A664FA-9EA5-4B10-BA34-B726926A109F}">
+  <ds:schemaRefs>
+    <ds:schemaRef ds:uri="http://schemas.microsoft.com/VisualStudio/2011/storyboarding/control"/>
+  </ds:schemaRefs>
+</ds:datastoreItem>
+</file>
+
+<file path=customXml/itemProps44.xml><?xml version="1.0" encoding="utf-8"?>
+<ds:datastoreItem xmlns:ds="http://schemas.openxmlformats.org/officeDocument/2006/customXml" ds:itemID="{E4533A7B-0EBC-4816-B76B-CCCDEA2170A3}">
+  <ds:schemaRefs>
+    <ds:schemaRef ds:uri="http://schemas.microsoft.com/VisualStudio/2011/storyboarding/control"/>
+  </ds:schemaRefs>
+</ds:datastoreItem>
+</file>
+
+<file path=customXml/itemProps45.xml><?xml version="1.0" encoding="utf-8"?>
+<ds:datastoreItem xmlns:ds="http://schemas.openxmlformats.org/officeDocument/2006/customXml" ds:itemID="{DE27B1D4-BB30-4A5F-AA84-F8E08F76B63C}">
+  <ds:schemaRefs>
+    <ds:schemaRef ds:uri="http://schemas.microsoft.com/VisualStudio/2011/storyboarding/control"/>
+  </ds:schemaRefs>
+</ds:datastoreItem>
+</file>
+
+<file path=customXml/itemProps46.xml><?xml version="1.0" encoding="utf-8"?>
+<ds:datastoreItem xmlns:ds="http://schemas.openxmlformats.org/officeDocument/2006/customXml" ds:itemID="{80DE510E-81C7-405A-B9D0-1E75FE7E00A2}">
+  <ds:schemaRefs>
+    <ds:schemaRef ds:uri="http://schemas.microsoft.com/VisualStudio/2011/storyboarding/control"/>
+  </ds:schemaRefs>
+</ds:datastoreItem>
+</file>
+
+<file path=customXml/itemProps47.xml><?xml version="1.0" encoding="utf-8"?>
+<ds:datastoreItem xmlns:ds="http://schemas.openxmlformats.org/officeDocument/2006/customXml" ds:itemID="{9FBA0DD0-B486-4E54-9A10-743C0D39EFD7}">
+  <ds:schemaRefs>
+    <ds:schemaRef ds:uri="http://schemas.microsoft.com/VisualStudio/2011/storyboarding/control"/>
+  </ds:schemaRefs>
+</ds:datastoreItem>
+</file>
+
+<file path=customXml/itemProps48.xml><?xml version="1.0" encoding="utf-8"?>
+<ds:datastoreItem xmlns:ds="http://schemas.openxmlformats.org/officeDocument/2006/customXml" ds:itemID="{8324CF56-D40B-4351-9196-9EF44C882973}">
+  <ds:schemaRefs>
+    <ds:schemaRef ds:uri="http://schemas.microsoft.com/VisualStudio/2011/storyboarding/control"/>
+  </ds:schemaRefs>
+</ds:datastoreItem>
+</file>
+
+<file path=customXml/itemProps49.xml><?xml version="1.0" encoding="utf-8"?>
+<ds:datastoreItem xmlns:ds="http://schemas.openxmlformats.org/officeDocument/2006/customXml" ds:itemID="{EA5E05DE-E1C2-4AC7-94D9-7B404501E89E}">
+  <ds:schemaRefs>
+    <ds:schemaRef ds:uri="http://schemas.microsoft.com/VisualStudio/2011/storyboarding/control"/>
+  </ds:schemaRefs>
+</ds:datastoreItem>
+</file>
+
+<file path=customXml/itemProps5.xml><?xml version="1.0" encoding="utf-8"?>
+<ds:datastoreItem xmlns:ds="http://schemas.openxmlformats.org/officeDocument/2006/customXml" ds:itemID="{7D6B7444-F60A-4B9D-81AB-D3B5E1B12E42}">
+  <ds:schemaRefs>
+    <ds:schemaRef ds:uri="http://schemas.microsoft.com/VisualStudio/2011/storyboarding/control"/>
+  </ds:schemaRefs>
+</ds:datastoreItem>
+</file>
+
+<file path=customXml/itemProps50.xml><?xml version="1.0" encoding="utf-8"?>
+<ds:datastoreItem xmlns:ds="http://schemas.openxmlformats.org/officeDocument/2006/customXml" ds:itemID="{53164735-76D4-4952-818B-7D782467C933}">
+  <ds:schemaRefs>
+    <ds:schemaRef ds:uri="http://schemas.microsoft.com/VisualStudio/2011/storyboarding/control"/>
+  </ds:schemaRefs>
+</ds:datastoreItem>
+</file>
+
+<file path=customXml/itemProps51.xml><?xml version="1.0" encoding="utf-8"?>
+<ds:datastoreItem xmlns:ds="http://schemas.openxmlformats.org/officeDocument/2006/customXml" ds:itemID="{C7FDE0DB-CB96-4CD6-975D-201EA6665A02}">
+  <ds:schemaRefs>
+    <ds:schemaRef ds:uri="http://schemas.microsoft.com/VisualStudio/2011/storyboarding/control"/>
+  </ds:schemaRefs>
+</ds:datastoreItem>
+</file>
+
+<file path=customXml/itemProps52.xml><?xml version="1.0" encoding="utf-8"?>
 <ds:datastoreItem xmlns:ds="http://schemas.openxmlformats.org/officeDocument/2006/customXml" ds:itemID="{C166A645-1C5B-4E55-AAD7-E2F4A4AA24A6}">
   <ds:schemaRefs>
     <ds:schemaRef ds:uri="http://schemas.microsoft.com/VisualStudio/2011/storyboarding/control"/>
@@ -15541,7 +16087,71 @@
 </ds:datastoreItem>
 </file>
 
-<file path=customXml/itemProps10.xml><?xml version="1.0" encoding="utf-8"?>
+<file path=customXml/itemProps53.xml><?xml version="1.0" encoding="utf-8"?>
+<ds:datastoreItem xmlns:ds="http://schemas.openxmlformats.org/officeDocument/2006/customXml" ds:itemID="{361C0EB7-A990-4ACC-98CC-2135750EB8E4}">
+  <ds:schemaRefs>
+    <ds:schemaRef ds:uri="http://schemas.microsoft.com/VisualStudio/2011/storyboarding/control"/>
+  </ds:schemaRefs>
+</ds:datastoreItem>
+</file>
+
+<file path=customXml/itemProps54.xml><?xml version="1.0" encoding="utf-8"?>
+<ds:datastoreItem xmlns:ds="http://schemas.openxmlformats.org/officeDocument/2006/customXml" ds:itemID="{37D33223-111A-4ADB-B41E-9FD074191553}">
+  <ds:schemaRefs>
+    <ds:schemaRef ds:uri="http://schemas.microsoft.com/VisualStudio/2011/storyboarding/control"/>
+  </ds:schemaRefs>
+</ds:datastoreItem>
+</file>
+
+<file path=customXml/itemProps55.xml><?xml version="1.0" encoding="utf-8"?>
+<ds:datastoreItem xmlns:ds="http://schemas.openxmlformats.org/officeDocument/2006/customXml" ds:itemID="{370A891A-0E12-45D3-9B14-818F95F16845}">
+  <ds:schemaRefs>
+    <ds:schemaRef ds:uri="http://schemas.microsoft.com/VisualStudio/2011/storyboarding/control"/>
+  </ds:schemaRefs>
+</ds:datastoreItem>
+</file>
+
+<file path=customXml/itemProps56.xml><?xml version="1.0" encoding="utf-8"?>
+<ds:datastoreItem xmlns:ds="http://schemas.openxmlformats.org/officeDocument/2006/customXml" ds:itemID="{BB0D7CE9-9404-4465-9E2D-5B19B9FBDDF1}">
+  <ds:schemaRefs>
+    <ds:schemaRef ds:uri="http://schemas.microsoft.com/VisualStudio/2011/storyboarding/control"/>
+  </ds:schemaRefs>
+</ds:datastoreItem>
+</file>
+
+<file path=customXml/itemProps57.xml><?xml version="1.0" encoding="utf-8"?>
+<ds:datastoreItem xmlns:ds="http://schemas.openxmlformats.org/officeDocument/2006/customXml" ds:itemID="{33D36C75-B48E-4C6D-B4EA-271ABA9F5F43}">
+  <ds:schemaRefs>
+    <ds:schemaRef ds:uri="http://schemas.microsoft.com/VisualStudio/2011/storyboarding/control"/>
+  </ds:schemaRefs>
+</ds:datastoreItem>
+</file>
+
+<file path=customXml/itemProps58.xml><?xml version="1.0" encoding="utf-8"?>
+<ds:datastoreItem xmlns:ds="http://schemas.openxmlformats.org/officeDocument/2006/customXml" ds:itemID="{4CE58B61-EE5F-4970-9220-01C5DE569D6A}">
+  <ds:schemaRefs>
+    <ds:schemaRef ds:uri="http://schemas.microsoft.com/VisualStudio/2011/storyboarding/control"/>
+  </ds:schemaRefs>
+</ds:datastoreItem>
+</file>
+
+<file path=customXml/itemProps59.xml><?xml version="1.0" encoding="utf-8"?>
+<ds:datastoreItem xmlns:ds="http://schemas.openxmlformats.org/officeDocument/2006/customXml" ds:itemID="{9A4FCB21-5BD3-49CC-A98C-D254145CC213}">
+  <ds:schemaRefs>
+    <ds:schemaRef ds:uri="http://schemas.microsoft.com/VisualStudio/2011/storyboarding/control"/>
+  </ds:schemaRefs>
+</ds:datastoreItem>
+</file>
+
+<file path=customXml/itemProps6.xml><?xml version="1.0" encoding="utf-8"?>
+<ds:datastoreItem xmlns:ds="http://schemas.openxmlformats.org/officeDocument/2006/customXml" ds:itemID="{573A482C-5255-4B64-9316-16A14E9AE73C}">
+  <ds:schemaRefs>
+    <ds:schemaRef ds:uri="http://schemas.microsoft.com/VisualStudio/2011/storyboarding/control"/>
+  </ds:schemaRefs>
+</ds:datastoreItem>
+</file>
+
+<file path=customXml/itemProps60.xml><?xml version="1.0" encoding="utf-8"?>
 <ds:datastoreItem xmlns:ds="http://schemas.openxmlformats.org/officeDocument/2006/customXml" ds:itemID="{DAB5C6D1-BEBB-41CD-AC97-AFC569CDA9C6}">
   <ds:schemaRefs>
     <ds:schemaRef ds:uri="http://schemas.microsoft.com/VisualStudio/2011/storyboarding/control"/>
@@ -15549,183 +16159,7 @@
 </ds:datastoreItem>
 </file>
 
-<file path=customXml/itemProps11.xml><?xml version="1.0" encoding="utf-8"?>
-<ds:datastoreItem xmlns:ds="http://schemas.openxmlformats.org/officeDocument/2006/customXml" ds:itemID="{E23AA6C6-66D5-41EF-9B08-F95748997E3F}">
-  <ds:schemaRefs>
-    <ds:schemaRef ds:uri="http://schemas.microsoft.com/VisualStudio/2011/storyboarding/control"/>
-  </ds:schemaRefs>
-</ds:datastoreItem>
-</file>
-
-<file path=customXml/itemProps12.xml><?xml version="1.0" encoding="utf-8"?>
-<ds:datastoreItem xmlns:ds="http://schemas.openxmlformats.org/officeDocument/2006/customXml" ds:itemID="{4878B1BB-1064-444C-AC63-789355DA70FF}">
-  <ds:schemaRefs>
-    <ds:schemaRef ds:uri="http://schemas.microsoft.com/VisualStudio/2011/storyboarding/control"/>
-  </ds:schemaRefs>
-</ds:datastoreItem>
-</file>
-
-<file path=customXml/itemProps13.xml><?xml version="1.0" encoding="utf-8"?>
-<ds:datastoreItem xmlns:ds="http://schemas.openxmlformats.org/officeDocument/2006/customXml" ds:itemID="{AAB755EE-B1EB-4ED0-ADD7-9A5526B67CB8}">
-  <ds:schemaRefs>
-    <ds:schemaRef ds:uri="http://schemas.microsoft.com/VisualStudio/2011/storyboarding/control"/>
-  </ds:schemaRefs>
-</ds:datastoreItem>
-</file>
-
-<file path=customXml/itemProps14.xml><?xml version="1.0" encoding="utf-8"?>
-<ds:datastoreItem xmlns:ds="http://schemas.openxmlformats.org/officeDocument/2006/customXml" ds:itemID="{488C12D9-068B-4C82-973A-F8B3021FE541}">
-  <ds:schemaRefs>
-    <ds:schemaRef ds:uri="http://schemas.microsoft.com/VisualStudio/2011/storyboarding/control"/>
-  </ds:schemaRefs>
-</ds:datastoreItem>
-</file>
-
-<file path=customXml/itemProps15.xml><?xml version="1.0" encoding="utf-8"?>
-<ds:datastoreItem xmlns:ds="http://schemas.openxmlformats.org/officeDocument/2006/customXml" ds:itemID="{37D33223-111A-4ADB-B41E-9FD074191553}">
-  <ds:schemaRefs>
-    <ds:schemaRef ds:uri="http://schemas.microsoft.com/VisualStudio/2011/storyboarding/control"/>
-  </ds:schemaRefs>
-</ds:datastoreItem>
-</file>
-
-<file path=customXml/itemProps16.xml><?xml version="1.0" encoding="utf-8"?>
-<ds:datastoreItem xmlns:ds="http://schemas.openxmlformats.org/officeDocument/2006/customXml" ds:itemID="{7B1414AB-5BF9-4B3C-865B-B1C5CBF6DBE8}">
-  <ds:schemaRefs>
-    <ds:schemaRef ds:uri="http://schemas.microsoft.com/VisualStudio/2011/storyboarding/control"/>
-  </ds:schemaRefs>
-</ds:datastoreItem>
-</file>
-
-<file path=customXml/itemProps17.xml><?xml version="1.0" encoding="utf-8"?>
-<ds:datastoreItem xmlns:ds="http://schemas.openxmlformats.org/officeDocument/2006/customXml" ds:itemID="{96E20EBB-7037-4C56-9463-6A543AA2F1B2}">
-  <ds:schemaRefs>
-    <ds:schemaRef ds:uri="http://schemas.microsoft.com/VisualStudio/2011/storyboarding/control"/>
-  </ds:schemaRefs>
-</ds:datastoreItem>
-</file>
-
-<file path=customXml/itemProps18.xml><?xml version="1.0" encoding="utf-8"?>
-<ds:datastoreItem xmlns:ds="http://schemas.openxmlformats.org/officeDocument/2006/customXml" ds:itemID="{2558E25E-0E34-4B68-9BCF-C1DA476DFD0F}">
-  <ds:schemaRefs>
-    <ds:schemaRef ds:uri="http://schemas.microsoft.com/VisualStudio/2011/storyboarding/control"/>
-  </ds:schemaRefs>
-</ds:datastoreItem>
-</file>
-
-<file path=customXml/itemProps19.xml><?xml version="1.0" encoding="utf-8"?>
-<ds:datastoreItem xmlns:ds="http://schemas.openxmlformats.org/officeDocument/2006/customXml" ds:itemID="{1E0E21B3-F885-4F88-8D0B-6B0C3BF3EE59}">
-  <ds:schemaRefs>
-    <ds:schemaRef ds:uri="http://schemas.microsoft.com/VisualStudio/2011/storyboarding/control"/>
-  </ds:schemaRefs>
-</ds:datastoreItem>
-</file>
-
-<file path=customXml/itemProps2.xml><?xml version="1.0" encoding="utf-8"?>
-<ds:datastoreItem xmlns:ds="http://schemas.openxmlformats.org/officeDocument/2006/customXml" ds:itemID="{6C6D1018-4B64-4ACA-A978-FE6EB7834C5D}">
-  <ds:schemaRefs>
-    <ds:schemaRef ds:uri="http://schemas.microsoft.com/VisualStudio/2011/storyboarding/control"/>
-  </ds:schemaRefs>
-</ds:datastoreItem>
-</file>
-
-<file path=customXml/itemProps20.xml><?xml version="1.0" encoding="utf-8"?>
-<ds:datastoreItem xmlns:ds="http://schemas.openxmlformats.org/officeDocument/2006/customXml" ds:itemID="{80DE510E-81C7-405A-B9D0-1E75FE7E00A2}">
-  <ds:schemaRefs>
-    <ds:schemaRef ds:uri="http://schemas.microsoft.com/VisualStudio/2011/storyboarding/control"/>
-  </ds:schemaRefs>
-</ds:datastoreItem>
-</file>
-
-<file path=customXml/itemProps21.xml><?xml version="1.0" encoding="utf-8"?>
-<ds:datastoreItem xmlns:ds="http://schemas.openxmlformats.org/officeDocument/2006/customXml" ds:itemID="{281AEDF7-DF9E-422C-B37C-2858CE27E6B2}">
-  <ds:schemaRefs>
-    <ds:schemaRef ds:uri="http://schemas.microsoft.com/VisualStudio/2011/storyboarding/control"/>
-  </ds:schemaRefs>
-</ds:datastoreItem>
-</file>
-
-<file path=customXml/itemProps22.xml><?xml version="1.0" encoding="utf-8"?>
-<ds:datastoreItem xmlns:ds="http://schemas.openxmlformats.org/officeDocument/2006/customXml" ds:itemID="{F39F845E-2753-4580-89D2-610141081362}">
-  <ds:schemaRefs>
-    <ds:schemaRef ds:uri="http://schemas.microsoft.com/VisualStudio/2011/storyboarding/control"/>
-  </ds:schemaRefs>
-</ds:datastoreItem>
-</file>
-
-<file path=customXml/itemProps23.xml><?xml version="1.0" encoding="utf-8"?>
-<ds:datastoreItem xmlns:ds="http://schemas.openxmlformats.org/officeDocument/2006/customXml" ds:itemID="{370A891A-0E12-45D3-9B14-818F95F16845}">
-  <ds:schemaRefs>
-    <ds:schemaRef ds:uri="http://schemas.microsoft.com/VisualStudio/2011/storyboarding/control"/>
-  </ds:schemaRefs>
-</ds:datastoreItem>
-</file>
-
-<file path=customXml/itemProps24.xml><?xml version="1.0" encoding="utf-8"?>
-<ds:datastoreItem xmlns:ds="http://schemas.openxmlformats.org/officeDocument/2006/customXml" ds:itemID="{4BAF07E2-E7DC-41B5-931A-EBF205A5071A}">
-  <ds:schemaRefs>
-    <ds:schemaRef ds:uri="http://schemas.microsoft.com/VisualStudio/2011/storyboarding/control"/>
-  </ds:schemaRefs>
-</ds:datastoreItem>
-</file>
-
-<file path=customXml/itemProps25.xml><?xml version="1.0" encoding="utf-8"?>
-<ds:datastoreItem xmlns:ds="http://schemas.openxmlformats.org/officeDocument/2006/customXml" ds:itemID="{249A15CA-53B2-4706-987F-D63B4E6CB916}">
-  <ds:schemaRefs>
-    <ds:schemaRef ds:uri="http://schemas.microsoft.com/VisualStudio/2011/storyboarding/control"/>
-  </ds:schemaRefs>
-</ds:datastoreItem>
-</file>
-
-<file path=customXml/itemProps26.xml><?xml version="1.0" encoding="utf-8"?>
-<ds:datastoreItem xmlns:ds="http://schemas.openxmlformats.org/officeDocument/2006/customXml" ds:itemID="{3A4D5618-2865-4A87-B781-BB759B491089}">
-  <ds:schemaRefs>
-    <ds:schemaRef ds:uri="http://schemas.microsoft.com/VisualStudio/2011/storyboarding/control"/>
-  </ds:schemaRefs>
-</ds:datastoreItem>
-</file>
-
-<file path=customXml/itemProps27.xml><?xml version="1.0" encoding="utf-8"?>
-<ds:datastoreItem xmlns:ds="http://schemas.openxmlformats.org/officeDocument/2006/customXml" ds:itemID="{51818D5F-094E-43A1-9E5C-F5DA3B02D512}">
-  <ds:schemaRefs>
-    <ds:schemaRef ds:uri="http://schemas.microsoft.com/VisualStudio/2011/storyboarding/control"/>
-  </ds:schemaRefs>
-</ds:datastoreItem>
-</file>
-
-<file path=customXml/itemProps28.xml><?xml version="1.0" encoding="utf-8"?>
-<ds:datastoreItem xmlns:ds="http://schemas.openxmlformats.org/officeDocument/2006/customXml" ds:itemID="{BB0D7CE9-9404-4465-9E2D-5B19B9FBDDF1}">
-  <ds:schemaRefs>
-    <ds:schemaRef ds:uri="http://schemas.microsoft.com/VisualStudio/2011/storyboarding/control"/>
-  </ds:schemaRefs>
-</ds:datastoreItem>
-</file>
-
-<file path=customXml/itemProps29.xml><?xml version="1.0" encoding="utf-8"?>
-<ds:datastoreItem xmlns:ds="http://schemas.openxmlformats.org/officeDocument/2006/customXml" ds:itemID="{A4FAAE2C-A2D0-432D-8C3F-4E214106D0DA}">
-  <ds:schemaRefs>
-    <ds:schemaRef ds:uri="http://schemas.microsoft.com/VisualStudio/2011/storyboarding/control"/>
-  </ds:schemaRefs>
-</ds:datastoreItem>
-</file>
-
-<file path=customXml/itemProps3.xml><?xml version="1.0" encoding="utf-8"?>
-<ds:datastoreItem xmlns:ds="http://schemas.openxmlformats.org/officeDocument/2006/customXml" ds:itemID="{68C6BC75-F055-4B1D-ABF8-240155002B00}">
-  <ds:schemaRefs>
-    <ds:schemaRef ds:uri="http://schemas.microsoft.com/VisualStudio/2011/storyboarding/control"/>
-  </ds:schemaRefs>
-</ds:datastoreItem>
-</file>
-
-<file path=customXml/itemProps30.xml><?xml version="1.0" encoding="utf-8"?>
-<ds:datastoreItem xmlns:ds="http://schemas.openxmlformats.org/officeDocument/2006/customXml" ds:itemID="{79093FF4-1DDD-4C40-BE57-F30E94897E78}">
-  <ds:schemaRefs>
-    <ds:schemaRef ds:uri="http://schemas.microsoft.com/VisualStudio/2011/storyboarding/control"/>
-  </ds:schemaRefs>
-</ds:datastoreItem>
-</file>
-
-<file path=customXml/itemProps31.xml><?xml version="1.0" encoding="utf-8"?>
+<file path=customXml/itemProps61.xml><?xml version="1.0" encoding="utf-8"?>
 <ds:datastoreItem xmlns:ds="http://schemas.openxmlformats.org/officeDocument/2006/customXml" ds:itemID="{221EC36D-7A68-4F46-857F-A4F8C398013F}">
   <ds:schemaRefs>
     <ds:schemaRef ds:uri="http://schemas.microsoft.com/VisualStudio/2011/storyboarding/control"/>
@@ -15733,111 +16167,7 @@
 </ds:datastoreItem>
 </file>
 
-<file path=customXml/itemProps32.xml><?xml version="1.0" encoding="utf-8"?>
-<ds:datastoreItem xmlns:ds="http://schemas.openxmlformats.org/officeDocument/2006/customXml" ds:itemID="{ACE3832C-4A3F-4E71-AE27-C3FBDC947BD1}">
-  <ds:schemaRefs>
-    <ds:schemaRef ds:uri="http://schemas.microsoft.com/VisualStudio/2011/storyboarding/control"/>
-  </ds:schemaRefs>
-</ds:datastoreItem>
-</file>
-
-<file path=customXml/itemProps33.xml><?xml version="1.0" encoding="utf-8"?>
-<ds:datastoreItem xmlns:ds="http://schemas.openxmlformats.org/officeDocument/2006/customXml" ds:itemID="{1D00CA4C-4668-4C38-9697-95A1032F6E0C}">
-  <ds:schemaRefs>
-    <ds:schemaRef ds:uri="http://schemas.microsoft.com/VisualStudio/2011/storyboarding/control"/>
-  </ds:schemaRefs>
-</ds:datastoreItem>
-</file>
-
-<file path=customXml/itemProps34.xml><?xml version="1.0" encoding="utf-8"?>
-<ds:datastoreItem xmlns:ds="http://schemas.openxmlformats.org/officeDocument/2006/customXml" ds:itemID="{070D8727-D584-4ACE-9BD4-F236F292CADE}">
-  <ds:schemaRefs>
-    <ds:schemaRef ds:uri="http://schemas.microsoft.com/VisualStudio/2011/storyboarding/control"/>
-  </ds:schemaRefs>
-</ds:datastoreItem>
-</file>
-
-<file path=customXml/itemProps35.xml><?xml version="1.0" encoding="utf-8"?>
-<ds:datastoreItem xmlns:ds="http://schemas.openxmlformats.org/officeDocument/2006/customXml" ds:itemID="{96DBC1E2-7B0F-4594-908C-511C34EBA413}">
-  <ds:schemaRefs>
-    <ds:schemaRef ds:uri="http://schemas.microsoft.com/VisualStudio/2011/storyboarding/control"/>
-  </ds:schemaRefs>
-</ds:datastoreItem>
-</file>
-
-<file path=customXml/itemProps36.xml><?xml version="1.0" encoding="utf-8"?>
-<ds:datastoreItem xmlns:ds="http://schemas.openxmlformats.org/officeDocument/2006/customXml" ds:itemID="{33D36C75-B48E-4C6D-B4EA-271ABA9F5F43}">
-  <ds:schemaRefs>
-    <ds:schemaRef ds:uri="http://schemas.microsoft.com/VisualStudio/2011/storyboarding/control"/>
-  </ds:schemaRefs>
-</ds:datastoreItem>
-</file>
-
-<file path=customXml/itemProps37.xml><?xml version="1.0" encoding="utf-8"?>
-<ds:datastoreItem xmlns:ds="http://schemas.openxmlformats.org/officeDocument/2006/customXml" ds:itemID="{4050C175-0388-42BB-9C0B-6159423B96B3}">
-  <ds:schemaRefs>
-    <ds:schemaRef ds:uri="http://schemas.microsoft.com/VisualStudio/2011/storyboarding/control"/>
-  </ds:schemaRefs>
-</ds:datastoreItem>
-</file>
-
-<file path=customXml/itemProps38.xml><?xml version="1.0" encoding="utf-8"?>
-<ds:datastoreItem xmlns:ds="http://schemas.openxmlformats.org/officeDocument/2006/customXml" ds:itemID="{B37B26D3-40EF-456B-94C7-08BFA09EC86A}">
-  <ds:schemaRefs>
-    <ds:schemaRef ds:uri="http://schemas.microsoft.com/VisualStudio/2011/storyboarding/control"/>
-  </ds:schemaRefs>
-</ds:datastoreItem>
-</file>
-
-<file path=customXml/itemProps39.xml><?xml version="1.0" encoding="utf-8"?>
-<ds:datastoreItem xmlns:ds="http://schemas.openxmlformats.org/officeDocument/2006/customXml" ds:itemID="{3893FAFA-159A-419E-9C0E-060D7A44C60E}">
-  <ds:schemaRefs>
-    <ds:schemaRef ds:uri="http://schemas.microsoft.com/VisualStudio/2011/storyboarding/control"/>
-  </ds:schemaRefs>
-</ds:datastoreItem>
-</file>
-
-<file path=customXml/itemProps4.xml><?xml version="1.0" encoding="utf-8"?>
-<ds:datastoreItem xmlns:ds="http://schemas.openxmlformats.org/officeDocument/2006/customXml" ds:itemID="{AB1F722D-9DF2-4361-8CBE-BFBE75E9B828}">
-  <ds:schemaRefs>
-    <ds:schemaRef ds:uri="http://schemas.microsoft.com/VisualStudio/2011/storyboarding/control"/>
-  </ds:schemaRefs>
-</ds:datastoreItem>
-</file>
-
-<file path=customXml/itemProps40.xml><?xml version="1.0" encoding="utf-8"?>
-<ds:datastoreItem xmlns:ds="http://schemas.openxmlformats.org/officeDocument/2006/customXml" ds:itemID="{9ADF1E48-E45A-45D9-9283-BC9F33427ED4}">
-  <ds:schemaRefs>
-    <ds:schemaRef ds:uri="http://schemas.microsoft.com/VisualStudio/2011/storyboarding/control"/>
-  </ds:schemaRefs>
-</ds:datastoreItem>
-</file>
-
-<file path=customXml/itemProps41.xml><?xml version="1.0" encoding="utf-8"?>
-<ds:datastoreItem xmlns:ds="http://schemas.openxmlformats.org/officeDocument/2006/customXml" ds:itemID="{9FBA0DD0-B486-4E54-9A10-743C0D39EFD7}">
-  <ds:schemaRefs>
-    <ds:schemaRef ds:uri="http://schemas.microsoft.com/VisualStudio/2011/storyboarding/control"/>
-  </ds:schemaRefs>
-</ds:datastoreItem>
-</file>
-
-<file path=customXml/itemProps42.xml><?xml version="1.0" encoding="utf-8"?>
-<ds:datastoreItem xmlns:ds="http://schemas.openxmlformats.org/officeDocument/2006/customXml" ds:itemID="{60D5CE22-9844-4788-A552-3028C39D2CCF}">
-  <ds:schemaRefs>
-    <ds:schemaRef ds:uri="http://schemas.microsoft.com/VisualStudio/2011/storyboarding/control"/>
-  </ds:schemaRefs>
-</ds:datastoreItem>
-</file>
-
-<file path=customXml/itemProps43.xml><?xml version="1.0" encoding="utf-8"?>
-<ds:datastoreItem xmlns:ds="http://schemas.openxmlformats.org/officeDocument/2006/customXml" ds:itemID="{13054C84-C8E3-4AE4-90E8-BC7F739DD38F}">
-  <ds:schemaRefs>
-    <ds:schemaRef ds:uri="http://schemas.microsoft.com/VisualStudio/2011/storyboarding/control"/>
-  </ds:schemaRefs>
-</ds:datastoreItem>
-</file>
-
-<file path=customXml/itemProps44.xml><?xml version="1.0" encoding="utf-8"?>
+<file path=customXml/itemProps62.xml><?xml version="1.0" encoding="utf-8"?>
 <ds:datastoreItem xmlns:ds="http://schemas.openxmlformats.org/officeDocument/2006/customXml" ds:itemID="{89964C79-DBF0-4439-A32C-AA828DF5D728}">
   <ds:schemaRefs>
     <ds:schemaRef ds:uri="http://schemas.microsoft.com/VisualStudio/2011/storyboarding/control"/>
@@ -15845,71 +16175,7 @@
 </ds:datastoreItem>
 </file>
 
-<file path=customXml/itemProps45.xml><?xml version="1.0" encoding="utf-8"?>
-<ds:datastoreItem xmlns:ds="http://schemas.openxmlformats.org/officeDocument/2006/customXml" ds:itemID="{A121AF12-522A-49B5-A95F-C8ABE93E4468}">
-  <ds:schemaRefs>
-    <ds:schemaRef ds:uri="http://schemas.microsoft.com/VisualStudio/2011/storyboarding/control"/>
-  </ds:schemaRefs>
-</ds:datastoreItem>
-</file>
-
-<file path=customXml/itemProps46.xml><?xml version="1.0" encoding="utf-8"?>
-<ds:datastoreItem xmlns:ds="http://schemas.openxmlformats.org/officeDocument/2006/customXml" ds:itemID="{D8A664FA-9EA5-4B10-BA34-B726926A109F}">
-  <ds:schemaRefs>
-    <ds:schemaRef ds:uri="http://schemas.microsoft.com/VisualStudio/2011/storyboarding/control"/>
-  </ds:schemaRefs>
-</ds:datastoreItem>
-</file>
-
-<file path=customXml/itemProps47.xml><?xml version="1.0" encoding="utf-8"?>
-<ds:datastoreItem xmlns:ds="http://schemas.openxmlformats.org/officeDocument/2006/customXml" ds:itemID="{052109F0-192A-4D9A-8E12-62E70D4F1F8C}">
-  <ds:schemaRefs>
-    <ds:schemaRef ds:uri="http://schemas.microsoft.com/VisualStudio/2011/storyboarding/control"/>
-  </ds:schemaRefs>
-</ds:datastoreItem>
-</file>
-
-<file path=customXml/itemProps48.xml><?xml version="1.0" encoding="utf-8"?>
-<ds:datastoreItem xmlns:ds="http://schemas.openxmlformats.org/officeDocument/2006/customXml" ds:itemID="{C56FBF5B-D966-443E-AD8C-4BEFDDC15A24}">
-  <ds:schemaRefs>
-    <ds:schemaRef ds:uri="http://schemas.microsoft.com/VisualStudio/2011/storyboarding/control"/>
-  </ds:schemaRefs>
-</ds:datastoreItem>
-</file>
-
-<file path=customXml/itemProps49.xml><?xml version="1.0" encoding="utf-8"?>
-<ds:datastoreItem xmlns:ds="http://schemas.openxmlformats.org/officeDocument/2006/customXml" ds:itemID="{4CE58B61-EE5F-4970-9220-01C5DE569D6A}">
-  <ds:schemaRefs>
-    <ds:schemaRef ds:uri="http://schemas.microsoft.com/VisualStudio/2011/storyboarding/control"/>
-  </ds:schemaRefs>
-</ds:datastoreItem>
-</file>
-
-<file path=customXml/itemProps5.xml><?xml version="1.0" encoding="utf-8"?>
-<ds:datastoreItem xmlns:ds="http://schemas.openxmlformats.org/officeDocument/2006/customXml" ds:itemID="{971CB74E-CE31-4676-A8C4-8A10ED2ACF5E}">
-  <ds:schemaRefs>
-    <ds:schemaRef ds:uri="http://schemas.microsoft.com/VisualStudio/2011/storyboarding/control"/>
-  </ds:schemaRefs>
-</ds:datastoreItem>
-</file>
-
-<file path=customXml/itemProps50.xml><?xml version="1.0" encoding="utf-8"?>
-<ds:datastoreItem xmlns:ds="http://schemas.openxmlformats.org/officeDocument/2006/customXml" ds:itemID="{73B23937-3685-485C-B193-482D110724BE}">
-  <ds:schemaRefs>
-    <ds:schemaRef ds:uri="http://schemas.microsoft.com/VisualStudio/2011/storyboarding/control"/>
-  </ds:schemaRefs>
-</ds:datastoreItem>
-</file>
-
-<file path=customXml/itemProps51.xml><?xml version="1.0" encoding="utf-8"?>
-<ds:datastoreItem xmlns:ds="http://schemas.openxmlformats.org/officeDocument/2006/customXml" ds:itemID="{E3568CAD-2FC9-402F-A338-BD2DC611450C}">
-  <ds:schemaRefs>
-    <ds:schemaRef ds:uri="http://schemas.microsoft.com/VisualStudio/2011/storyboarding/control"/>
-  </ds:schemaRefs>
-</ds:datastoreItem>
-</file>
-
-<file path=customXml/itemProps52.xml><?xml version="1.0" encoding="utf-8"?>
+<file path=customXml/itemProps63.xml><?xml version="1.0" encoding="utf-8"?>
 <ds:datastoreItem xmlns:ds="http://schemas.openxmlformats.org/officeDocument/2006/customXml" ds:itemID="{C63FBD9C-EE47-4CBB-B16E-889700F7690B}">
   <ds:schemaRefs>
     <ds:schemaRef ds:uri="http://schemas.microsoft.com/VisualStudio/2011/storyboarding/control"/>
@@ -15917,104 +16183,8 @@
 </ds:datastoreItem>
 </file>
 
-<file path=customXml/itemProps53.xml><?xml version="1.0" encoding="utf-8"?>
-<ds:datastoreItem xmlns:ds="http://schemas.openxmlformats.org/officeDocument/2006/customXml" ds:itemID="{CEFDD4FC-CCD0-4187-B34B-B972F2D69989}">
-  <ds:schemaRefs>
-    <ds:schemaRef ds:uri="http://schemas.microsoft.com/VisualStudio/2011/storyboarding/control"/>
-  </ds:schemaRefs>
-</ds:datastoreItem>
-</file>
-
-<file path=customXml/itemProps54.xml><?xml version="1.0" encoding="utf-8"?>
-<ds:datastoreItem xmlns:ds="http://schemas.openxmlformats.org/officeDocument/2006/customXml" ds:itemID="{8324CF56-D40B-4351-9196-9EF44C882973}">
-  <ds:schemaRefs>
-    <ds:schemaRef ds:uri="http://schemas.microsoft.com/VisualStudio/2011/storyboarding/control"/>
-  </ds:schemaRefs>
-</ds:datastoreItem>
-</file>
-
-<file path=customXml/itemProps55.xml><?xml version="1.0" encoding="utf-8"?>
-<ds:datastoreItem xmlns:ds="http://schemas.openxmlformats.org/officeDocument/2006/customXml" ds:itemID="{8EA8FD1B-7434-4B15-B76B-3EFA7AC1990D}">
-  <ds:schemaRefs>
-    <ds:schemaRef ds:uri="http://schemas.microsoft.com/VisualStudio/2011/storyboarding/control"/>
-  </ds:schemaRefs>
-</ds:datastoreItem>
-</file>
-
-<file path=customXml/itemProps56.xml><?xml version="1.0" encoding="utf-8"?>
-<ds:datastoreItem xmlns:ds="http://schemas.openxmlformats.org/officeDocument/2006/customXml" ds:itemID="{B9F9F1B4-D9BF-4959-ABE5-99C6B90FF576}">
-  <ds:schemaRefs>
-    <ds:schemaRef ds:uri="http://schemas.microsoft.com/VisualStudio/2011/storyboarding/control"/>
-  </ds:schemaRefs>
-</ds:datastoreItem>
-</file>
-
-<file path=customXml/itemProps57.xml><?xml version="1.0" encoding="utf-8"?>
-<ds:datastoreItem xmlns:ds="http://schemas.openxmlformats.org/officeDocument/2006/customXml" ds:itemID="{9A4FCB21-5BD3-49CC-A98C-D254145CC213}">
-  <ds:schemaRefs>
-    <ds:schemaRef ds:uri="http://schemas.microsoft.com/VisualStudio/2011/storyboarding/control"/>
-  </ds:schemaRefs>
-</ds:datastoreItem>
-</file>
-
-<file path=customXml/itemProps58.xml><?xml version="1.0" encoding="utf-8"?>
-<ds:datastoreItem xmlns:ds="http://schemas.openxmlformats.org/officeDocument/2006/customXml" ds:itemID="{62B2F631-446C-47F5-B2CA-D39B3525B9B3}">
-  <ds:schemaRefs>
-    <ds:schemaRef ds:uri="http://schemas.microsoft.com/VisualStudio/2011/storyboarding/control"/>
-  </ds:schemaRefs>
-</ds:datastoreItem>
-</file>
-
-<file path=customXml/itemProps59.xml><?xml version="1.0" encoding="utf-8"?>
-<ds:datastoreItem xmlns:ds="http://schemas.openxmlformats.org/officeDocument/2006/customXml" ds:itemID="{E4533A7B-0EBC-4816-B76B-CCCDEA2170A3}">
-  <ds:schemaRefs>
-    <ds:schemaRef ds:uri="http://schemas.microsoft.com/VisualStudio/2011/storyboarding/control"/>
-  </ds:schemaRefs>
-</ds:datastoreItem>
-</file>
-
-<file path=customXml/itemProps6.xml><?xml version="1.0" encoding="utf-8"?>
-<ds:datastoreItem xmlns:ds="http://schemas.openxmlformats.org/officeDocument/2006/customXml" ds:itemID="{361C0EB7-A990-4ACC-98CC-2135750EB8E4}">
-  <ds:schemaRefs>
-    <ds:schemaRef ds:uri="http://schemas.microsoft.com/VisualStudio/2011/storyboarding/control"/>
-  </ds:schemaRefs>
-</ds:datastoreItem>
-</file>
-
-<file path=customXml/itemProps60.xml><?xml version="1.0" encoding="utf-8"?>
+<file path=customXml/itemProps64.xml><?xml version="1.0" encoding="utf-8"?>
 <ds:datastoreItem xmlns:ds="http://schemas.openxmlformats.org/officeDocument/2006/customXml" ds:itemID="{8377A383-F445-4F94-A147-B923EF07322D}">
-  <ds:schemaRefs>
-    <ds:schemaRef ds:uri="http://schemas.microsoft.com/VisualStudio/2011/storyboarding/control"/>
-  </ds:schemaRefs>
-</ds:datastoreItem>
-</file>
-
-<file path=customXml/itemProps61.xml><?xml version="1.0" encoding="utf-8"?>
-<ds:datastoreItem xmlns:ds="http://schemas.openxmlformats.org/officeDocument/2006/customXml" ds:itemID="{68891D0E-6E63-4E07-86E2-C382E62195E7}">
-  <ds:schemaRefs>
-    <ds:schemaRef ds:uri="http://schemas.microsoft.com/VisualStudio/2011/storyboarding/control"/>
-  </ds:schemaRefs>
-</ds:datastoreItem>
-</file>
-
-<file path=customXml/itemProps62.xml><?xml version="1.0" encoding="utf-8"?>
-<ds:datastoreItem xmlns:ds="http://schemas.openxmlformats.org/officeDocument/2006/customXml" ds:itemID="{EA5E05DE-E1C2-4AC7-94D9-7B404501E89E}">
-  <ds:schemaRefs>
-    <ds:schemaRef ds:uri="http://schemas.microsoft.com/VisualStudio/2011/storyboarding/control"/>
-  </ds:schemaRefs>
-</ds:datastoreItem>
-</file>
-
-<file path=customXml/itemProps63.xml><?xml version="1.0" encoding="utf-8"?>
-<ds:datastoreItem xmlns:ds="http://schemas.openxmlformats.org/officeDocument/2006/customXml" ds:itemID="{509C901D-2AAD-4E8C-8C5A-CB713216A09B}">
-  <ds:schemaRefs>
-    <ds:schemaRef ds:uri="http://schemas.microsoft.com/VisualStudio/2011/storyboarding/control"/>
-  </ds:schemaRefs>
-</ds:datastoreItem>
-</file>
-
-<file path=customXml/itemProps64.xml><?xml version="1.0" encoding="utf-8"?>
-<ds:datastoreItem xmlns:ds="http://schemas.openxmlformats.org/officeDocument/2006/customXml" ds:itemID="{D4166401-9126-4967-B451-FAE4C547F7B4}">
   <ds:schemaRefs>
     <ds:schemaRef ds:uri="http://schemas.microsoft.com/VisualStudio/2011/storyboarding/control"/>
   </ds:schemaRefs>
@@ -16030,70 +16200,6 @@
 </file>
 
 <file path=customXml/itemProps66.xml><?xml version="1.0" encoding="utf-8"?>
-<ds:datastoreItem xmlns:ds="http://schemas.openxmlformats.org/officeDocument/2006/customXml" ds:itemID="{DEEB4FAF-A541-46B0-B6CD-810995052DEC}">
-  <ds:schemaRefs>
-    <ds:schemaRef ds:uri="http://schemas.microsoft.com/VisualStudio/2011/storyboarding/control"/>
-  </ds:schemaRefs>
-</ds:datastoreItem>
-</file>
-
-<file path=customXml/itemProps67.xml><?xml version="1.0" encoding="utf-8"?>
-<ds:datastoreItem xmlns:ds="http://schemas.openxmlformats.org/officeDocument/2006/customXml" ds:itemID="{DE27B1D4-BB30-4A5F-AA84-F8E08F76B63C}">
-  <ds:schemaRefs>
-    <ds:schemaRef ds:uri="http://schemas.microsoft.com/VisualStudio/2011/storyboarding/control"/>
-  </ds:schemaRefs>
-</ds:datastoreItem>
-</file>
-
-<file path=customXml/itemProps68.xml><?xml version="1.0" encoding="utf-8"?>
-<ds:datastoreItem xmlns:ds="http://schemas.openxmlformats.org/officeDocument/2006/customXml" ds:itemID="{85938F22-55DC-4C8A-A724-862893360C0C}">
-  <ds:schemaRefs>
-    <ds:schemaRef ds:uri="http://schemas.microsoft.com/VisualStudio/2011/storyboarding/control"/>
-  </ds:schemaRefs>
-</ds:datastoreItem>
-</file>
-
-<file path=customXml/itemProps69.xml><?xml version="1.0" encoding="utf-8"?>
-<ds:datastoreItem xmlns:ds="http://schemas.openxmlformats.org/officeDocument/2006/customXml" ds:itemID="{65EF8635-09A9-41A2-B58E-267FFB349624}">
-  <ds:schemaRefs>
-    <ds:schemaRef ds:uri="http://schemas.microsoft.com/VisualStudio/2011/storyboarding/control"/>
-  </ds:schemaRefs>
-</ds:datastoreItem>
-</file>
-
-<file path=customXml/itemProps7.xml><?xml version="1.0" encoding="utf-8"?>
-<ds:datastoreItem xmlns:ds="http://schemas.openxmlformats.org/officeDocument/2006/customXml" ds:itemID="{7D6B7444-F60A-4B9D-81AB-D3B5E1B12E42}">
-  <ds:schemaRefs>
-    <ds:schemaRef ds:uri="http://schemas.microsoft.com/VisualStudio/2011/storyboarding/control"/>
-  </ds:schemaRefs>
-</ds:datastoreItem>
-</file>
-
-<file path=customXml/itemProps70.xml><?xml version="1.0" encoding="utf-8"?>
-<ds:datastoreItem xmlns:ds="http://schemas.openxmlformats.org/officeDocument/2006/customXml" ds:itemID="{53164735-76D4-4952-818B-7D782467C933}">
-  <ds:schemaRefs>
-    <ds:schemaRef ds:uri="http://schemas.microsoft.com/VisualStudio/2011/storyboarding/control"/>
-  </ds:schemaRefs>
-</ds:datastoreItem>
-</file>
-
-<file path=customXml/itemProps71.xml><?xml version="1.0" encoding="utf-8"?>
-<ds:datastoreItem xmlns:ds="http://schemas.openxmlformats.org/officeDocument/2006/customXml" ds:itemID="{573A482C-5255-4B64-9316-16A14E9AE73C}">
-  <ds:schemaRefs>
-    <ds:schemaRef ds:uri="http://schemas.microsoft.com/VisualStudio/2011/storyboarding/control"/>
-  </ds:schemaRefs>
-</ds:datastoreItem>
-</file>
-
-<file path=customXml/itemProps72.xml><?xml version="1.0" encoding="utf-8"?>
-<ds:datastoreItem xmlns:ds="http://schemas.openxmlformats.org/officeDocument/2006/customXml" ds:itemID="{9145CF6E-5FD4-486C-BD8E-06326CCB1686}">
-  <ds:schemaRefs>
-    <ds:schemaRef ds:uri="http://schemas.microsoft.com/VisualStudio/2011/storyboarding/control"/>
-  </ds:schemaRefs>
-</ds:datastoreItem>
-</file>
-
-<file path=customXml/itemProps73.xml><?xml version="1.0" encoding="utf-8"?>
 <ds:datastoreItem xmlns:ds="http://schemas.openxmlformats.org/officeDocument/2006/customXml" ds:itemID="{241CFE28-886C-4034-9D09-037435A3FAFA}">
   <ds:schemaRefs>
     <ds:schemaRef ds:uri="http://schemas.microsoft.com/VisualStudio/2011/storyboarding/control"/>
@@ -16101,39 +16207,7 @@
 </ds:datastoreItem>
 </file>
 
-<file path=customXml/itemProps74.xml><?xml version="1.0" encoding="utf-8"?>
-<ds:datastoreItem xmlns:ds="http://schemas.openxmlformats.org/officeDocument/2006/customXml" ds:itemID="{1FC5C983-9100-4F92-BFDA-FA88DA552BCC}">
-  <ds:schemaRefs>
-    <ds:schemaRef ds:uri="http://schemas.microsoft.com/VisualStudio/2011/storyboarding/control"/>
-  </ds:schemaRefs>
-</ds:datastoreItem>
-</file>
-
-<file path=customXml/itemProps75.xml><?xml version="1.0" encoding="utf-8"?>
-<ds:datastoreItem xmlns:ds="http://schemas.openxmlformats.org/officeDocument/2006/customXml" ds:itemID="{C7FDE0DB-CB96-4CD6-975D-201EA6665A02}">
-  <ds:schemaRefs>
-    <ds:schemaRef ds:uri="http://schemas.microsoft.com/VisualStudio/2011/storyboarding/control"/>
-  </ds:schemaRefs>
-</ds:datastoreItem>
-</file>
-
-<file path=customXml/itemProps76.xml><?xml version="1.0" encoding="utf-8"?>
-<ds:datastoreItem xmlns:ds="http://schemas.openxmlformats.org/officeDocument/2006/customXml" ds:itemID="{96160008-6123-430B-915A-36F5B8C26A26}">
-  <ds:schemaRefs>
-    <ds:schemaRef ds:uri="http://schemas.microsoft.com/VisualStudio/2011/storyboarding/control"/>
-  </ds:schemaRefs>
-</ds:datastoreItem>
-</file>
-
-<file path=customXml/itemProps77.xml><?xml version="1.0" encoding="utf-8"?>
-<ds:datastoreItem xmlns:ds="http://schemas.openxmlformats.org/officeDocument/2006/customXml" ds:itemID="{4CF64963-3D63-4000-9CA6-622A57F32F2C}">
-  <ds:schemaRefs>
-    <ds:schemaRef ds:uri="http://schemas.microsoft.com/VisualStudio/2011/storyboarding/control"/>
-  </ds:schemaRefs>
-</ds:datastoreItem>
-</file>
-
-<file path=customXml/itemProps78.xml><?xml version="1.0" encoding="utf-8"?>
+<file path=customXml/itemProps67.xml><?xml version="1.0" encoding="utf-8"?>
 <ds:datastoreItem xmlns:ds="http://schemas.openxmlformats.org/officeDocument/2006/customXml" ds:itemID="{E7BF1543-39A3-476E-BF72-5B0AB99A19C6}">
   <ds:schemaRefs>
     <ds:schemaRef ds:uri="http://schemas.microsoft.com/VisualStudio/2011/storyboarding/control"/>
@@ -16141,18 +16215,122 @@
 </ds:datastoreItem>
 </file>
 
-<file path=customXml/itemProps8.xml><?xml version="1.0" encoding="utf-8"?>
-<ds:datastoreItem xmlns:ds="http://schemas.openxmlformats.org/officeDocument/2006/customXml" ds:itemID="{A272A6DA-7D6D-4AE5-A4E0-0D37F2914BF1}">
+<file path=customXml/itemProps68.xml><?xml version="1.0" encoding="utf-8"?>
+<ds:datastoreItem xmlns:ds="http://schemas.openxmlformats.org/officeDocument/2006/customXml" ds:itemID="{AB1F722D-9DF2-4361-8CBE-BFBE75E9B828}">
   <ds:schemaRefs>
     <ds:schemaRef ds:uri="http://schemas.microsoft.com/VisualStudio/2011/storyboarding/control"/>
   </ds:schemaRefs>
 </ds:datastoreItem>
 </file>
 
-<file path=customXml/itemProps9.xml><?xml version="1.0" encoding="utf-8"?>
+<file path=customXml/itemProps69.xml><?xml version="1.0" encoding="utf-8"?>
 <ds:datastoreItem xmlns:ds="http://schemas.openxmlformats.org/officeDocument/2006/customXml" ds:itemID="{A30EE226-040D-45D8-9148-D125AFE86233}">
   <ds:schemaRefs>
     <ds:schemaRef ds:uri="http://schemas.microsoft.com/VisualStudio/2011/storyboarding/control"/>
   </ds:schemaRefs>
 </ds:datastoreItem>
+</file>
+
+<file path=customXml/itemProps7.xml><?xml version="1.0" encoding="utf-8"?>
+<ds:datastoreItem xmlns:ds="http://schemas.openxmlformats.org/officeDocument/2006/customXml" ds:itemID="{6C6D1018-4B64-4ACA-A978-FE6EB7834C5D}">
+  <ds:schemaRefs>
+    <ds:schemaRef ds:uri="http://schemas.microsoft.com/VisualStudio/2011/storyboarding/control"/>
+  </ds:schemaRefs>
+</ds:datastoreItem>
+</file>
+
+<file path=customXml/itemProps70.xml><?xml version="1.0" encoding="utf-8"?>
+<ds:datastoreItem xmlns:ds="http://schemas.openxmlformats.org/officeDocument/2006/customXml" ds:itemID="{AAB755EE-B1EB-4ED0-ADD7-9A5526B67CB8}">
+  <ds:schemaRefs>
+    <ds:schemaRef ds:uri="http://schemas.microsoft.com/VisualStudio/2011/storyboarding/control"/>
+  </ds:schemaRefs>
+</ds:datastoreItem>
+</file>
+
+<file path=customXml/itemProps71.xml><?xml version="1.0" encoding="utf-8"?>
+<ds:datastoreItem xmlns:ds="http://schemas.openxmlformats.org/officeDocument/2006/customXml" ds:itemID="{2558E25E-0E34-4B68-9BCF-C1DA476DFD0F}">
+  <ds:schemaRefs>
+    <ds:schemaRef ds:uri="http://schemas.microsoft.com/VisualStudio/2011/storyboarding/control"/>
+  </ds:schemaRefs>
+</ds:datastoreItem>
+</file>
+
+<file path=customXml/itemProps72.xml><?xml version="1.0" encoding="utf-8"?>
+<ds:datastoreItem xmlns:ds="http://schemas.openxmlformats.org/officeDocument/2006/customXml" ds:itemID="{3A4D5618-2865-4A87-B781-BB759B491089}">
+  <ds:schemaRefs>
+    <ds:schemaRef ds:uri="http://schemas.microsoft.com/VisualStudio/2011/storyboarding/control"/>
+  </ds:schemaRefs>
+</ds:datastoreItem>
+</file>
+
+<file path=customXml/itemProps73.xml><?xml version="1.0" encoding="utf-8"?>
+<ds:datastoreItem xmlns:ds="http://schemas.openxmlformats.org/officeDocument/2006/customXml" ds:itemID="{3893FAFA-159A-419E-9C0E-060D7A44C60E}">
+  <ds:schemaRefs>
+    <ds:schemaRef ds:uri="http://schemas.microsoft.com/VisualStudio/2011/storyboarding/control"/>
+  </ds:schemaRefs>
+</ds:datastoreItem>
+</file>
+
+<file path=customXml/itemProps74.xml><?xml version="1.0" encoding="utf-8"?>
+<ds:datastoreItem xmlns:ds="http://schemas.openxmlformats.org/officeDocument/2006/customXml" ds:itemID="{281AEDF7-DF9E-422C-B37C-2858CE27E6B2}">
+  <ds:schemaRefs>
+    <ds:schemaRef ds:uri="http://schemas.microsoft.com/VisualStudio/2011/storyboarding/control"/>
+  </ds:schemaRefs>
+</ds:datastoreItem>
+</file>
+
+<file path=customXml/itemProps75.xml><?xml version="1.0" encoding="utf-8"?>
+<ds:datastoreItem xmlns:ds="http://schemas.openxmlformats.org/officeDocument/2006/customXml" ds:itemID="{070D8727-D584-4ACE-9BD4-F236F292CADE}">
+  <ds:schemaRefs>
+    <ds:schemaRef ds:uri="http://schemas.microsoft.com/VisualStudio/2011/storyboarding/control"/>
+  </ds:schemaRefs>
+</ds:datastoreItem>
+</file>
+
+<file path=customXml/itemProps76.xml><?xml version="1.0" encoding="utf-8"?>
+<ds:datastoreItem xmlns:ds="http://schemas.openxmlformats.org/officeDocument/2006/customXml" ds:itemID="{60D5CE22-9844-4788-A552-3028C39D2CCF}">
+  <ds:schemaRefs>
+    <ds:schemaRef ds:uri="http://schemas.microsoft.com/VisualStudio/2011/storyboarding/control"/>
+  </ds:schemaRefs>
+</ds:datastoreItem>
+</file>
+
+<file path=customXml/itemProps77.xml><?xml version="1.0" encoding="utf-8"?>
+<ds:datastoreItem xmlns:ds="http://schemas.openxmlformats.org/officeDocument/2006/customXml" ds:itemID="{052109F0-192A-4D9A-8E12-62E70D4F1F8C}">
+  <ds:schemaRefs>
+    <ds:schemaRef ds:uri="http://schemas.microsoft.com/VisualStudio/2011/storyboarding/control"/>
+  </ds:schemaRefs>
+</ds:datastoreItem>
+</file>
+
+<file path=customXml/itemProps78.xml><?xml version="1.0" encoding="utf-8"?>
+<ds:datastoreItem xmlns:ds="http://schemas.openxmlformats.org/officeDocument/2006/customXml" ds:itemID="{73B23937-3685-485C-B193-482D110724BE}">
+  <ds:schemaRefs>
+    <ds:schemaRef ds:uri="http://schemas.microsoft.com/VisualStudio/2011/storyboarding/control"/>
+  </ds:schemaRefs>
+</ds:datastoreItem>
+</file>
+
+<file path=customXml/itemProps79.xml><?xml version="1.0" encoding="utf-8"?>
+<ds:datastoreItem xmlns:ds="http://schemas.openxmlformats.org/officeDocument/2006/customXml" ds:itemID="{954E5DDD-EF00-4673-9F2C-AD51A41A3123}">
+  <ds:schemaRefs>
+    <ds:schemaRef ds:uri="http://schemas.microsoft.com/VisualStudio/2011/storyboarding/control"/>
+  </ds:schemaRefs>
+</ds:datastoreItem>
+</file>
+
+<file path=customXml/itemProps8.xml><?xml version="1.0" encoding="utf-8"?>
+<ds:datastoreItem xmlns:ds="http://schemas.openxmlformats.org/officeDocument/2006/customXml" ds:itemID="{7B1414AB-5BF9-4B3C-865B-B1C5CBF6DBE8}">
+  <ds:schemaRefs>
+    <ds:schemaRef ds:uri="http://schemas.microsoft.com/VisualStudio/2011/storyboarding/control"/>
+  </ds:schemaRefs>
+</ds:datastoreItem>
+</file>
+
+<file path=customXml/itemProps9.xml><?xml version="1.0" encoding="utf-8"?>
+<ds:datastoreItem xmlns:ds="http://schemas.openxmlformats.org/officeDocument/2006/customXml" ds:itemID="{A4FAAE2C-A2D0-432D-8C3F-4E214106D0DA}">
+  <ds:schemaRefs>
+    <ds:schemaRef ds:uri="http://schemas.microsoft.com/VisualStudio/2011/storyboarding/control"/>
+  </ds:schemaRefs>
+</ds:datastoreItem>
 </file>